--- a/doc/04.화면설계/Pony_화면설계서.pptx
+++ b/doc/04.화면설계/Pony_화면설계서.pptx
@@ -120,6 +120,27 @@
     </a:lvl9pPr>
   </p:defaultTextStyle>
   <p:extLst>
+    <p:ext uri="{521415D9-36F7-43E2-AB2F-B90AF26B5E84}">
+      <p14:sectionLst xmlns:p14="http://schemas.microsoft.com/office/powerpoint/2010/main">
+        <p14:section name="제목 없는 구역" id="{6512473B-46EA-4071-8CBA-57F1DF568326}">
+          <p14:sldIdLst>
+            <p14:sldId id="299"/>
+            <p14:sldId id="307"/>
+            <p14:sldId id="293"/>
+            <p14:sldId id="291"/>
+            <p14:sldId id="306"/>
+            <p14:sldId id="305"/>
+            <p14:sldId id="304"/>
+            <p14:sldId id="303"/>
+            <p14:sldId id="302"/>
+            <p14:sldId id="296"/>
+            <p14:sldId id="300"/>
+            <p14:sldId id="292"/>
+            <p14:sldId id="295"/>
+          </p14:sldIdLst>
+        </p14:section>
+      </p14:sectionLst>
+    </p:ext>
     <p:ext uri="{EFAFB233-063F-42B5-8137-9DF3F51BA10A}">
       <p15:sldGuideLst xmlns:p15="http://schemas.microsoft.com/office/powerpoint/2012/main">
         <p15:guide id="1" orient="horz" pos="2880">
@@ -2874,132 +2895,6 @@
           </a:p>
         </p:txBody>
       </p:sp>
-      <p:graphicFrame>
-        <p:nvGraphicFramePr>
-          <p:cNvPr id="5" name="표 4">
-            <a:extLst>
-              <a:ext uri="{FF2B5EF4-FFF2-40B4-BE49-F238E27FC236}">
-                <a16:creationId xmlns:a16="http://schemas.microsoft.com/office/drawing/2014/main" id="{D5B59344-C3D7-4DA0-99C1-EAD870847925}"/>
-              </a:ext>
-            </a:extLst>
-          </p:cNvPr>
-          <p:cNvGraphicFramePr>
-            <a:graphicFrameLocks noGrp="1"/>
-          </p:cNvGraphicFramePr>
-          <p:nvPr>
-            <p:extLst>
-              <p:ext uri="{D42A27DB-BD31-4B8C-83A1-F6EECF244321}">
-                <p14:modId xmlns:p14="http://schemas.microsoft.com/office/powerpoint/2010/main" val="3235333987"/>
-              </p:ext>
-            </p:extLst>
-          </p:nvPr>
-        </p:nvGraphicFramePr>
-        <p:xfrm>
-          <a:off x="838200" y="1518920"/>
-          <a:ext cx="4470400" cy="741680"/>
-        </p:xfrm>
-        <a:graphic>
-          <a:graphicData uri="http://schemas.openxmlformats.org/drawingml/2006/table">
-            <a:tbl>
-              <a:tblPr firstRow="1" bandRow="1">
-                <a:tableStyleId>{5C22544A-7EE6-4342-B048-85BDC9FD1C3A}</a:tableStyleId>
-              </a:tblPr>
-              <a:tblGrid>
-                <a:gridCol w="2235200">
-                  <a:extLst>
-                    <a:ext uri="{9D8B030D-6E8A-4147-A177-3AD203B41FA5}">
-                      <a16:colId xmlns:a16="http://schemas.microsoft.com/office/drawing/2014/main" val="676084525"/>
-                    </a:ext>
-                  </a:extLst>
-                </a:gridCol>
-                <a:gridCol w="2235200">
-                  <a:extLst>
-                    <a:ext uri="{9D8B030D-6E8A-4147-A177-3AD203B41FA5}">
-                      <a16:colId xmlns:a16="http://schemas.microsoft.com/office/drawing/2014/main" val="35891649"/>
-                    </a:ext>
-                  </a:extLst>
-                </a:gridCol>
-              </a:tblGrid>
-              <a:tr h="370840">
-                <a:tc>
-                  <a:txBody>
-                    <a:bodyPr/>
-                    <a:lstStyle/>
-                    <a:p>
-                      <a:pPr latinLnBrk="1"/>
-                      <a:r>
-                        <a:rPr lang="ko-KR" altLang="en-US" dirty="0"/>
-                        <a:t>테이블명</a:t>
-                      </a:r>
-                    </a:p>
-                  </a:txBody>
-                  <a:tcPr/>
-                </a:tc>
-                <a:tc>
-                  <a:txBody>
-                    <a:bodyPr/>
-                    <a:lstStyle/>
-                    <a:p>
-                      <a:pPr latinLnBrk="1"/>
-                      <a:r>
-                        <a:rPr lang="ko-KR" altLang="en-US" dirty="0"/>
-                        <a:t>테이블설명</a:t>
-                      </a:r>
-                    </a:p>
-                  </a:txBody>
-                  <a:tcPr/>
-                </a:tc>
-                <a:extLst>
-                  <a:ext uri="{0D108BD9-81ED-4DB2-BD59-A6C34878D82A}">
-                    <a16:rowId xmlns:a16="http://schemas.microsoft.com/office/drawing/2014/main" val="955620453"/>
-                  </a:ext>
-                </a:extLst>
-              </a:tr>
-              <a:tr h="370840">
-                <a:tc>
-                  <a:txBody>
-                    <a:bodyPr/>
-                    <a:lstStyle/>
-                    <a:p>
-                      <a:pPr latinLnBrk="1"/>
-                      <a:r>
-                        <a:rPr lang="en-US" altLang="ko-KR" dirty="0"/>
-                        <a:t>TAB01</a:t>
-                      </a:r>
-                      <a:endParaRPr lang="ko-KR" altLang="en-US" dirty="0"/>
-                    </a:p>
-                  </a:txBody>
-                  <a:tcPr/>
-                </a:tc>
-                <a:tc>
-                  <a:txBody>
-                    <a:bodyPr/>
-                    <a:lstStyle/>
-                    <a:p>
-                      <a:pPr latinLnBrk="1"/>
-                      <a:r>
-                        <a:rPr lang="ko-KR" altLang="en-US" dirty="0"/>
-                        <a:t>테이블</a:t>
-                      </a:r>
-                      <a:r>
-                        <a:rPr lang="en-US" altLang="ko-KR" dirty="0"/>
-                        <a:t>01</a:t>
-                      </a:r>
-                      <a:endParaRPr lang="ko-KR" altLang="en-US" dirty="0"/>
-                    </a:p>
-                  </a:txBody>
-                  <a:tcPr/>
-                </a:tc>
-                <a:extLst>
-                  <a:ext uri="{0D108BD9-81ED-4DB2-BD59-A6C34878D82A}">
-                    <a16:rowId xmlns:a16="http://schemas.microsoft.com/office/drawing/2014/main" val="1737974441"/>
-                  </a:ext>
-                </a:extLst>
-              </a:tr>
-            </a:tbl>
-          </a:graphicData>
-        </a:graphic>
-      </p:graphicFrame>
       <p:sp>
         <p:nvSpPr>
           <p:cNvPr id="8" name="직사각형 7">
@@ -3317,10 +3212,10 @@
       </p:sp>
       <p:graphicFrame>
         <p:nvGraphicFramePr>
-          <p:cNvPr id="19" name="표 18">
+          <p:cNvPr id="20" name="표 19">
             <a:extLst>
               <a:ext uri="{FF2B5EF4-FFF2-40B4-BE49-F238E27FC236}">
-                <a16:creationId xmlns:a16="http://schemas.microsoft.com/office/drawing/2014/main" id="{60BF3128-D6EF-44FD-B4A7-1219434622D2}"/>
+                <a16:creationId xmlns:a16="http://schemas.microsoft.com/office/drawing/2014/main" id="{D1981D65-D311-4004-B9DA-CD7042F88B1C}"/>
               </a:ext>
             </a:extLst>
           </p:cNvPr>
@@ -3330,143 +3225,1532 @@
           <p:nvPr>
             <p:extLst>
               <p:ext uri="{D42A27DB-BD31-4B8C-83A1-F6EECF244321}">
-                <p14:modId xmlns:p14="http://schemas.microsoft.com/office/powerpoint/2010/main" val="2365608546"/>
+                <p14:modId xmlns:p14="http://schemas.microsoft.com/office/powerpoint/2010/main" val="1638048777"/>
               </p:ext>
             </p:extLst>
           </p:nvPr>
         </p:nvGraphicFramePr>
         <p:xfrm>
-          <a:off x="5991728" y="1671320"/>
-          <a:ext cx="3053346" cy="741680"/>
+          <a:off x="4864578" y="1416438"/>
+          <a:ext cx="1676401" cy="1018600"/>
         </p:xfrm>
         <a:graphic>
           <a:graphicData uri="http://schemas.openxmlformats.org/drawingml/2006/table">
             <a:tbl>
               <a:tblPr firstRow="1" bandRow="1">
-                <a:tableStyleId>{5C22544A-7EE6-4342-B048-85BDC9FD1C3A}</a:tableStyleId>
+                <a:tableStyleId>{2D5ABB26-0587-4C30-8999-92F81FD0307C}</a:tableStyleId>
               </a:tblPr>
               <a:tblGrid>
-                <a:gridCol w="1171072">
+                <a:gridCol w="762001">
                   <a:extLst>
                     <a:ext uri="{9D8B030D-6E8A-4147-A177-3AD203B41FA5}">
-                      <a16:colId xmlns:a16="http://schemas.microsoft.com/office/drawing/2014/main" val="676084525"/>
+                      <a16:colId xmlns:a16="http://schemas.microsoft.com/office/drawing/2014/main" val="3070361579"/>
                     </a:ext>
                   </a:extLst>
                 </a:gridCol>
-                <a:gridCol w="685800">
+                <a:gridCol w="914400">
                   <a:extLst>
                     <a:ext uri="{9D8B030D-6E8A-4147-A177-3AD203B41FA5}">
-                      <a16:colId xmlns:a16="http://schemas.microsoft.com/office/drawing/2014/main" val="35891649"/>
-                    </a:ext>
-                  </a:extLst>
-                </a:gridCol>
-                <a:gridCol w="1196474">
-                  <a:extLst>
-                    <a:ext uri="{9D8B030D-6E8A-4147-A177-3AD203B41FA5}">
-                      <a16:colId xmlns:a16="http://schemas.microsoft.com/office/drawing/2014/main" val="1784818125"/>
+                      <a16:colId xmlns:a16="http://schemas.microsoft.com/office/drawing/2014/main" val="2135770378"/>
                     </a:ext>
                   </a:extLst>
                 </a:gridCol>
               </a:tblGrid>
-              <a:tr h="370840">
+              <a:tr h="303631">
                 <a:tc>
                   <a:txBody>
                     <a:bodyPr/>
                     <a:lstStyle/>
                     <a:p>
-                      <a:pPr latinLnBrk="1"/>
+                      <a:pPr algn="ctr" latinLnBrk="1"/>
                       <a:r>
-                        <a:rPr lang="ko-KR" altLang="en-US" dirty="0"/>
+                        <a:rPr lang="ko-KR" altLang="en-US" sz="800">
+                          <a:ln>
+                            <a:solidFill>
+                              <a:schemeClr val="accent1">
+                                <a:alpha val="0"/>
+                              </a:schemeClr>
+                            </a:solidFill>
+                          </a:ln>
+                          <a:solidFill>
+                            <a:schemeClr val="bg1"/>
+                          </a:solidFill>
+                          <a:latin typeface="+mn-ea"/>
+                          <a:ea typeface="+mn-ea"/>
+                        </a:rPr>
                         <a:t>테이블명</a:t>
                       </a:r>
+                      <a:endParaRPr lang="ko-KR" altLang="en-US" sz="800" dirty="0">
+                        <a:ln>
+                          <a:solidFill>
+                            <a:schemeClr val="accent1">
+                              <a:alpha val="0"/>
+                            </a:schemeClr>
+                          </a:solidFill>
+                        </a:ln>
+                        <a:solidFill>
+                          <a:schemeClr val="bg1"/>
+                        </a:solidFill>
+                        <a:latin typeface="+mn-ea"/>
+                        <a:ea typeface="+mn-ea"/>
+                      </a:endParaRPr>
                     </a:p>
                   </a:txBody>
-                  <a:tcPr marL="62455" marR="62455"/>
+                  <a:tcPr anchor="ctr">
+                    <a:lnL w="19050" cap="flat" cmpd="sng" algn="ctr">
+                      <a:solidFill>
+                        <a:schemeClr val="bg1"/>
+                      </a:solidFill>
+                      <a:prstDash val="solid"/>
+                      <a:round/>
+                      <a:headEnd type="none" w="med" len="med"/>
+                      <a:tailEnd type="none" w="med" len="med"/>
+                    </a:lnL>
+                    <a:lnR w="19050" cap="flat" cmpd="sng" algn="ctr">
+                      <a:solidFill>
+                        <a:schemeClr val="bg1"/>
+                      </a:solidFill>
+                      <a:prstDash val="solid"/>
+                      <a:round/>
+                      <a:headEnd type="none" w="med" len="med"/>
+                      <a:tailEnd type="none" w="med" len="med"/>
+                    </a:lnR>
+                    <a:lnB>
+                      <a:noFill/>
+                    </a:lnB>
+                    <a:solidFill>
+                      <a:srgbClr val="FFC000"/>
+                    </a:solidFill>
+                  </a:tcPr>
                 </a:tc>
                 <a:tc>
                   <a:txBody>
                     <a:bodyPr/>
                     <a:lstStyle/>
                     <a:p>
-                      <a:pPr latinLnBrk="1"/>
+                      <a:pPr algn="ctr" latinLnBrk="1"/>
                       <a:r>
-                        <a:rPr lang="ko-KR" altLang="en-US" dirty="0"/>
-                        <a:t>순서</a:t>
+                        <a:rPr lang="ko-KR" altLang="en-US" sz="800">
+                          <a:ln>
+                            <a:solidFill>
+                              <a:schemeClr val="accent1">
+                                <a:alpha val="0"/>
+                              </a:schemeClr>
+                            </a:solidFill>
+                          </a:ln>
+                          <a:solidFill>
+                            <a:schemeClr val="bg1"/>
+                          </a:solidFill>
+                          <a:latin typeface="+mn-ea"/>
+                          <a:ea typeface="+mn-ea"/>
+                        </a:rPr>
+                        <a:t>테이블설명</a:t>
+                      </a:r>
+                      <a:endParaRPr lang="ko-KR" altLang="en-US" sz="800" dirty="0">
+                        <a:ln>
+                          <a:solidFill>
+                            <a:schemeClr val="accent1">
+                              <a:alpha val="0"/>
+                            </a:schemeClr>
+                          </a:solidFill>
+                        </a:ln>
+                        <a:solidFill>
+                          <a:schemeClr val="bg1"/>
+                        </a:solidFill>
+                        <a:latin typeface="+mn-ea"/>
+                        <a:ea typeface="+mn-ea"/>
+                      </a:endParaRPr>
+                    </a:p>
+                  </a:txBody>
+                  <a:tcPr anchor="ctr">
+                    <a:lnL w="19050" cap="flat" cmpd="sng" algn="ctr">
+                      <a:solidFill>
+                        <a:schemeClr val="bg1"/>
+                      </a:solidFill>
+                      <a:prstDash val="solid"/>
+                      <a:round/>
+                      <a:headEnd type="none" w="med" len="med"/>
+                      <a:tailEnd type="none" w="med" len="med"/>
+                    </a:lnL>
+                    <a:lnR w="19050" cap="flat" cmpd="sng" algn="ctr">
+                      <a:solidFill>
+                        <a:schemeClr val="bg1"/>
+                      </a:solidFill>
+                      <a:prstDash val="solid"/>
+                      <a:round/>
+                      <a:headEnd type="none" w="med" len="med"/>
+                      <a:tailEnd type="none" w="med" len="med"/>
+                    </a:lnR>
+                    <a:lnB>
+                      <a:noFill/>
+                    </a:lnB>
+                    <a:solidFill>
+                      <a:srgbClr val="FFC000"/>
+                    </a:solidFill>
+                  </a:tcPr>
+                </a:tc>
+                <a:extLst>
+                  <a:ext uri="{0D108BD9-81ED-4DB2-BD59-A6C34878D82A}">
+                    <a16:rowId xmlns:a16="http://schemas.microsoft.com/office/drawing/2014/main" val="3284227695"/>
+                  </a:ext>
+                </a:extLst>
+              </a:tr>
+              <a:tr h="238323">
+                <a:tc>
+                  <a:txBody>
+                    <a:bodyPr/>
+                    <a:lstStyle/>
+                    <a:p>
+                      <a:pPr algn="ctr" fontAlgn="ctr"/>
+                      <a:r>
+                        <a:rPr lang="en-US" altLang="ko-KR" sz="1000" b="1" i="0" u="none" strike="noStrike">
+                          <a:ln>
+                            <a:solidFill>
+                              <a:schemeClr val="accent1">
+                                <a:alpha val="0"/>
+                              </a:schemeClr>
+                            </a:solidFill>
+                          </a:ln>
+                          <a:solidFill>
+                            <a:srgbClr val="3F3F3F"/>
+                          </a:solidFill>
+                          <a:effectLst/>
+                          <a:latin typeface="+mn-ea"/>
+                          <a:ea typeface="+mn-ea"/>
+                        </a:rPr>
+                        <a:t>TAB01</a:t>
                       </a:r>
                     </a:p>
                   </a:txBody>
-                  <a:tcPr marL="62455" marR="62455"/>
+                  <a:tcPr marL="9525" marR="9525" marT="9525" marB="0" anchor="ctr">
+                    <a:lnL>
+                      <a:noFill/>
+                    </a:lnL>
+                    <a:lnR w="6350" cap="flat" cmpd="sng" algn="ctr">
+                      <a:solidFill>
+                        <a:schemeClr val="bg1">
+                          <a:lumMod val="75000"/>
+                        </a:schemeClr>
+                      </a:solidFill>
+                      <a:prstDash val="solid"/>
+                      <a:round/>
+                      <a:headEnd type="none" w="med" len="med"/>
+                      <a:tailEnd type="none" w="med" len="med"/>
+                    </a:lnR>
+                    <a:lnT>
+                      <a:noFill/>
+                    </a:lnT>
+                    <a:lnB w="6350" cap="flat" cmpd="sng" algn="ctr">
+                      <a:solidFill>
+                        <a:schemeClr val="bg1">
+                          <a:lumMod val="85000"/>
+                        </a:schemeClr>
+                      </a:solidFill>
+                      <a:prstDash val="solid"/>
+                      <a:round/>
+                      <a:headEnd type="none" w="med" len="med"/>
+                      <a:tailEnd type="none" w="med" len="med"/>
+                    </a:lnB>
+                    <a:lnTlToBr w="12700" cmpd="sng">
+                      <a:noFill/>
+                      <a:prstDash val="solid"/>
+                    </a:lnTlToBr>
+                    <a:lnBlToTr w="12700" cmpd="sng">
+                      <a:noFill/>
+                      <a:prstDash val="solid"/>
+                    </a:lnBlToTr>
+                  </a:tcPr>
                 </a:tc>
                 <a:tc>
                   <a:txBody>
                     <a:bodyPr/>
                     <a:lstStyle/>
                     <a:p>
-                      <a:pPr latinLnBrk="1"/>
+                      <a:pPr algn="ctr" fontAlgn="ctr"/>
                       <a:r>
-                        <a:rPr lang="ko-KR" altLang="en-US" dirty="0" err="1"/>
-                        <a:t>컬럼명</a:t>
+                        <a:rPr lang="ko-KR" altLang="en-US" sz="1000" b="1" i="0" u="none" strike="noStrike">
+                          <a:ln>
+                            <a:solidFill>
+                              <a:schemeClr val="accent1">
+                                <a:alpha val="0"/>
+                              </a:schemeClr>
+                            </a:solidFill>
+                          </a:ln>
+                          <a:solidFill>
+                            <a:srgbClr val="3F3F3F"/>
+                          </a:solidFill>
+                          <a:effectLst/>
+                          <a:latin typeface="+mn-ea"/>
+                          <a:ea typeface="+mn-ea"/>
+                        </a:rPr>
+                        <a:t>테이블</a:t>
                       </a:r>
-                      <a:endParaRPr lang="ko-KR" altLang="en-US" dirty="0"/>
+                      <a:r>
+                        <a:rPr lang="en-US" altLang="ko-KR" sz="1000" b="1" i="0" u="none" strike="noStrike">
+                          <a:ln>
+                            <a:solidFill>
+                              <a:schemeClr val="accent1">
+                                <a:alpha val="0"/>
+                              </a:schemeClr>
+                            </a:solidFill>
+                          </a:ln>
+                          <a:solidFill>
+                            <a:srgbClr val="3F3F3F"/>
+                          </a:solidFill>
+                          <a:effectLst/>
+                          <a:latin typeface="+mn-ea"/>
+                          <a:ea typeface="+mn-ea"/>
+                        </a:rPr>
+                        <a:t>01</a:t>
+                      </a:r>
+                      <a:endParaRPr lang="en-US" sz="1000" b="1" i="0" u="none" strike="noStrike">
+                        <a:ln>
+                          <a:solidFill>
+                            <a:schemeClr val="accent1">
+                              <a:alpha val="0"/>
+                            </a:schemeClr>
+                          </a:solidFill>
+                        </a:ln>
+                        <a:solidFill>
+                          <a:srgbClr val="3F3F3F"/>
+                        </a:solidFill>
+                        <a:effectLst/>
+                        <a:latin typeface="+mn-ea"/>
+                        <a:ea typeface="+mn-ea"/>
+                      </a:endParaRPr>
                     </a:p>
                   </a:txBody>
-                  <a:tcPr marL="62455" marR="62455"/>
+                  <a:tcPr marL="9525" marR="9525" marT="9525" marB="0" anchor="ctr">
+                    <a:lnL w="6350" cap="flat" cmpd="sng" algn="ctr">
+                      <a:solidFill>
+                        <a:schemeClr val="bg1">
+                          <a:lumMod val="75000"/>
+                        </a:schemeClr>
+                      </a:solidFill>
+                      <a:prstDash val="solid"/>
+                      <a:round/>
+                      <a:headEnd type="none" w="med" len="med"/>
+                      <a:tailEnd type="none" w="med" len="med"/>
+                    </a:lnL>
+                    <a:lnR>
+                      <a:noFill/>
+                    </a:lnR>
+                    <a:lnT>
+                      <a:noFill/>
+                    </a:lnT>
+                    <a:lnB w="6350" cap="flat" cmpd="sng" algn="ctr">
+                      <a:solidFill>
+                        <a:schemeClr val="bg1">
+                          <a:lumMod val="85000"/>
+                        </a:schemeClr>
+                      </a:solidFill>
+                      <a:prstDash val="solid"/>
+                      <a:round/>
+                      <a:headEnd type="none" w="med" len="med"/>
+                      <a:tailEnd type="none" w="med" len="med"/>
+                    </a:lnB>
+                    <a:lnTlToBr w="12700" cmpd="sng">
+                      <a:noFill/>
+                      <a:prstDash val="solid"/>
+                    </a:lnTlToBr>
+                    <a:lnBlToTr w="12700" cmpd="sng">
+                      <a:noFill/>
+                      <a:prstDash val="solid"/>
+                    </a:lnBlToTr>
+                  </a:tcPr>
                 </a:tc>
                 <a:extLst>
                   <a:ext uri="{0D108BD9-81ED-4DB2-BD59-A6C34878D82A}">
-                    <a16:rowId xmlns:a16="http://schemas.microsoft.com/office/drawing/2014/main" val="955620453"/>
+                    <a16:rowId xmlns:a16="http://schemas.microsoft.com/office/drawing/2014/main" val="3886786603"/>
                   </a:ext>
                 </a:extLst>
               </a:tr>
-              <a:tr h="370840">
+              <a:tr h="238323">
                 <a:tc>
                   <a:txBody>
                     <a:bodyPr/>
                     <a:lstStyle/>
                     <a:p>
-                      <a:pPr latinLnBrk="1"/>
+                      <a:pPr algn="ctr" fontAlgn="ctr"/>
                       <a:r>
-                        <a:rPr lang="en-US" altLang="ko-KR" dirty="0"/>
-                        <a:t>TAB01</a:t>
+                        <a:rPr lang="en-US" altLang="ko-KR" sz="1000" b="1" i="0" u="none" strike="noStrike">
+                          <a:ln>
+                            <a:solidFill>
+                              <a:schemeClr val="accent1">
+                                <a:alpha val="0"/>
+                              </a:schemeClr>
+                            </a:solidFill>
+                          </a:ln>
+                          <a:solidFill>
+                            <a:srgbClr val="3F3F3F"/>
+                          </a:solidFill>
+                          <a:effectLst/>
+                          <a:latin typeface="+mn-ea"/>
+                          <a:ea typeface="+mn-ea"/>
+                        </a:rPr>
+                        <a:t>TAB02</a:t>
                       </a:r>
-                      <a:endParaRPr lang="ko-KR" altLang="en-US" dirty="0"/>
                     </a:p>
                   </a:txBody>
-                  <a:tcPr marL="62455" marR="62455"/>
+                  <a:tcPr marL="9525" marR="9525" marT="9525" marB="0" anchor="ctr">
+                    <a:lnL>
+                      <a:noFill/>
+                    </a:lnL>
+                    <a:lnR w="6350" cap="flat" cmpd="sng" algn="ctr">
+                      <a:solidFill>
+                        <a:schemeClr val="bg1">
+                          <a:lumMod val="75000"/>
+                        </a:schemeClr>
+                      </a:solidFill>
+                      <a:prstDash val="solid"/>
+                      <a:round/>
+                      <a:headEnd type="none" w="med" len="med"/>
+                      <a:tailEnd type="none" w="med" len="med"/>
+                    </a:lnR>
+                    <a:lnT w="6350" cap="flat" cmpd="sng" algn="ctr">
+                      <a:solidFill>
+                        <a:schemeClr val="bg1">
+                          <a:lumMod val="85000"/>
+                        </a:schemeClr>
+                      </a:solidFill>
+                      <a:prstDash val="solid"/>
+                      <a:round/>
+                      <a:headEnd type="none" w="med" len="med"/>
+                      <a:tailEnd type="none" w="med" len="med"/>
+                    </a:lnT>
+                    <a:lnB w="6350" cap="flat" cmpd="sng" algn="ctr">
+                      <a:solidFill>
+                        <a:schemeClr val="bg1">
+                          <a:lumMod val="85000"/>
+                        </a:schemeClr>
+                      </a:solidFill>
+                      <a:prstDash val="solid"/>
+                      <a:round/>
+                      <a:headEnd type="none" w="med" len="med"/>
+                      <a:tailEnd type="none" w="med" len="med"/>
+                    </a:lnB>
+                    <a:lnTlToBr w="12700" cmpd="sng">
+                      <a:noFill/>
+                      <a:prstDash val="solid"/>
+                    </a:lnTlToBr>
+                    <a:lnBlToTr w="12700" cmpd="sng">
+                      <a:noFill/>
+                      <a:prstDash val="solid"/>
+                    </a:lnBlToTr>
+                  </a:tcPr>
                 </a:tc>
                 <a:tc>
                   <a:txBody>
                     <a:bodyPr/>
                     <a:lstStyle/>
                     <a:p>
-                      <a:pPr latinLnBrk="1"/>
+                      <a:pPr algn="ctr" fontAlgn="ctr"/>
                       <a:r>
-                        <a:rPr lang="en-US" altLang="ko-KR" dirty="0"/>
-                        <a:t>1</a:t>
+                        <a:rPr lang="ko-KR" altLang="en-US" sz="1000" b="1" i="0" u="none" strike="noStrike">
+                          <a:ln>
+                            <a:solidFill>
+                              <a:schemeClr val="accent1">
+                                <a:alpha val="0"/>
+                              </a:schemeClr>
+                            </a:solidFill>
+                          </a:ln>
+                          <a:solidFill>
+                            <a:srgbClr val="3F3F3F"/>
+                          </a:solidFill>
+                          <a:effectLst/>
+                          <a:latin typeface="+mn-ea"/>
+                          <a:ea typeface="+mn-ea"/>
+                        </a:rPr>
+                        <a:t>테이블</a:t>
                       </a:r>
-                      <a:endParaRPr lang="ko-KR" altLang="en-US" dirty="0"/>
+                      <a:r>
+                        <a:rPr lang="en-US" altLang="ko-KR" sz="1000" b="1" i="0" u="none" strike="noStrike">
+                          <a:ln>
+                            <a:solidFill>
+                              <a:schemeClr val="accent1">
+                                <a:alpha val="0"/>
+                              </a:schemeClr>
+                            </a:solidFill>
+                          </a:ln>
+                          <a:solidFill>
+                            <a:srgbClr val="3F3F3F"/>
+                          </a:solidFill>
+                          <a:effectLst/>
+                          <a:latin typeface="+mn-ea"/>
+                          <a:ea typeface="+mn-ea"/>
+                        </a:rPr>
+                        <a:t>02</a:t>
+                      </a:r>
+                      <a:endParaRPr lang="en-US" sz="1000" b="1" i="0" u="none" strike="noStrike">
+                        <a:ln>
+                          <a:solidFill>
+                            <a:schemeClr val="accent1">
+                              <a:alpha val="0"/>
+                            </a:schemeClr>
+                          </a:solidFill>
+                        </a:ln>
+                        <a:solidFill>
+                          <a:srgbClr val="3F3F3F"/>
+                        </a:solidFill>
+                        <a:effectLst/>
+                        <a:latin typeface="+mn-ea"/>
+                        <a:ea typeface="+mn-ea"/>
+                      </a:endParaRPr>
                     </a:p>
                   </a:txBody>
-                  <a:tcPr marL="62455" marR="62455"/>
+                  <a:tcPr marL="9525" marR="9525" marT="9525" marB="0" anchor="ctr">
+                    <a:lnL w="6350" cap="flat" cmpd="sng" algn="ctr">
+                      <a:solidFill>
+                        <a:schemeClr val="bg1">
+                          <a:lumMod val="75000"/>
+                        </a:schemeClr>
+                      </a:solidFill>
+                      <a:prstDash val="solid"/>
+                      <a:round/>
+                      <a:headEnd type="none" w="med" len="med"/>
+                      <a:tailEnd type="none" w="med" len="med"/>
+                    </a:lnL>
+                    <a:lnR>
+                      <a:noFill/>
+                    </a:lnR>
+                    <a:lnT w="6350" cap="flat" cmpd="sng" algn="ctr">
+                      <a:solidFill>
+                        <a:schemeClr val="bg1">
+                          <a:lumMod val="85000"/>
+                        </a:schemeClr>
+                      </a:solidFill>
+                      <a:prstDash val="solid"/>
+                      <a:round/>
+                      <a:headEnd type="none" w="med" len="med"/>
+                      <a:tailEnd type="none" w="med" len="med"/>
+                    </a:lnT>
+                    <a:lnB w="6350" cap="flat" cmpd="sng" algn="ctr">
+                      <a:solidFill>
+                        <a:schemeClr val="bg1">
+                          <a:lumMod val="85000"/>
+                        </a:schemeClr>
+                      </a:solidFill>
+                      <a:prstDash val="solid"/>
+                      <a:round/>
+                      <a:headEnd type="none" w="med" len="med"/>
+                      <a:tailEnd type="none" w="med" len="med"/>
+                    </a:lnB>
+                    <a:lnTlToBr w="12700" cmpd="sng">
+                      <a:noFill/>
+                      <a:prstDash val="solid"/>
+                    </a:lnTlToBr>
+                    <a:lnBlToTr w="12700" cmpd="sng">
+                      <a:noFill/>
+                      <a:prstDash val="solid"/>
+                    </a:lnBlToTr>
+                  </a:tcPr>
+                </a:tc>
+                <a:extLst>
+                  <a:ext uri="{0D108BD9-81ED-4DB2-BD59-A6C34878D82A}">
+                    <a16:rowId xmlns:a16="http://schemas.microsoft.com/office/drawing/2014/main" val="2012833175"/>
+                  </a:ext>
+                </a:extLst>
+              </a:tr>
+              <a:tr h="238323">
+                <a:tc>
+                  <a:txBody>
+                    <a:bodyPr/>
+                    <a:lstStyle/>
+                    <a:p>
+                      <a:pPr algn="ctr" fontAlgn="ctr"/>
+                      <a:r>
+                        <a:rPr lang="en-US" altLang="ko-KR" sz="1000" b="1" i="0" u="none" strike="noStrike">
+                          <a:ln>
+                            <a:solidFill>
+                              <a:schemeClr val="accent1">
+                                <a:alpha val="0"/>
+                              </a:schemeClr>
+                            </a:solidFill>
+                          </a:ln>
+                          <a:solidFill>
+                            <a:srgbClr val="3F3F3F"/>
+                          </a:solidFill>
+                          <a:effectLst/>
+                          <a:latin typeface="+mn-ea"/>
+                          <a:ea typeface="+mn-ea"/>
+                        </a:rPr>
+                        <a:t>TAB03</a:t>
+                      </a:r>
+                    </a:p>
+                  </a:txBody>
+                  <a:tcPr marL="9525" marR="9525" marT="9525" marB="0" anchor="ctr">
+                    <a:lnL>
+                      <a:noFill/>
+                    </a:lnL>
+                    <a:lnR w="6350" cap="flat" cmpd="sng" algn="ctr">
+                      <a:solidFill>
+                        <a:schemeClr val="bg1">
+                          <a:lumMod val="75000"/>
+                        </a:schemeClr>
+                      </a:solidFill>
+                      <a:prstDash val="solid"/>
+                      <a:round/>
+                      <a:headEnd type="none" w="med" len="med"/>
+                      <a:tailEnd type="none" w="med" len="med"/>
+                    </a:lnR>
+                    <a:lnT w="6350" cap="flat" cmpd="sng" algn="ctr">
+                      <a:solidFill>
+                        <a:schemeClr val="bg1">
+                          <a:lumMod val="85000"/>
+                        </a:schemeClr>
+                      </a:solidFill>
+                      <a:prstDash val="solid"/>
+                      <a:round/>
+                      <a:headEnd type="none" w="med" len="med"/>
+                      <a:tailEnd type="none" w="med" len="med"/>
+                    </a:lnT>
+                    <a:lnB w="6350" cap="flat" cmpd="sng" algn="ctr">
+                      <a:solidFill>
+                        <a:schemeClr val="bg1">
+                          <a:lumMod val="85000"/>
+                        </a:schemeClr>
+                      </a:solidFill>
+                      <a:prstDash val="solid"/>
+                      <a:round/>
+                      <a:headEnd type="none" w="med" len="med"/>
+                      <a:tailEnd type="none" w="med" len="med"/>
+                    </a:lnB>
+                    <a:lnTlToBr w="12700" cmpd="sng">
+                      <a:noFill/>
+                      <a:prstDash val="solid"/>
+                    </a:lnTlToBr>
+                    <a:lnBlToTr w="12700" cmpd="sng">
+                      <a:noFill/>
+                      <a:prstDash val="solid"/>
+                    </a:lnBlToTr>
+                  </a:tcPr>
                 </a:tc>
                 <a:tc>
                   <a:txBody>
                     <a:bodyPr/>
                     <a:lstStyle/>
                     <a:p>
-                      <a:pPr latinLnBrk="1"/>
+                      <a:pPr algn="ctr" fontAlgn="ctr"/>
                       <a:r>
-                        <a:rPr lang="en-US" altLang="ko-KR" dirty="0"/>
-                        <a:t>COL01</a:t>
+                        <a:rPr lang="ko-KR" altLang="en-US" sz="1000" b="1" i="0" u="none" strike="noStrike">
+                          <a:ln>
+                            <a:solidFill>
+                              <a:schemeClr val="accent1">
+                                <a:alpha val="0"/>
+                              </a:schemeClr>
+                            </a:solidFill>
+                          </a:ln>
+                          <a:solidFill>
+                            <a:srgbClr val="3F3F3F"/>
+                          </a:solidFill>
+                          <a:effectLst/>
+                          <a:latin typeface="+mn-ea"/>
+                          <a:ea typeface="+mn-ea"/>
+                        </a:rPr>
+                        <a:t>테이블</a:t>
                       </a:r>
-                      <a:endParaRPr lang="ko-KR" altLang="en-US" dirty="0"/>
+                      <a:r>
+                        <a:rPr lang="en-US" altLang="ko-KR" sz="1000" b="1" i="0" u="none" strike="noStrike">
+                          <a:ln>
+                            <a:solidFill>
+                              <a:schemeClr val="accent1">
+                                <a:alpha val="0"/>
+                              </a:schemeClr>
+                            </a:solidFill>
+                          </a:ln>
+                          <a:solidFill>
+                            <a:srgbClr val="3F3F3F"/>
+                          </a:solidFill>
+                          <a:effectLst/>
+                          <a:latin typeface="+mn-ea"/>
+                          <a:ea typeface="+mn-ea"/>
+                        </a:rPr>
+                        <a:t>03</a:t>
+                      </a:r>
+                      <a:endParaRPr lang="en-US" sz="1000" b="1" i="0" u="none" strike="noStrike">
+                        <a:ln>
+                          <a:solidFill>
+                            <a:schemeClr val="accent1">
+                              <a:alpha val="0"/>
+                            </a:schemeClr>
+                          </a:solidFill>
+                        </a:ln>
+                        <a:solidFill>
+                          <a:srgbClr val="3F3F3F"/>
+                        </a:solidFill>
+                        <a:effectLst/>
+                        <a:latin typeface="+mn-ea"/>
+                        <a:ea typeface="+mn-ea"/>
+                      </a:endParaRPr>
                     </a:p>
                   </a:txBody>
-                  <a:tcPr marL="62455" marR="62455"/>
+                  <a:tcPr marL="9525" marR="9525" marT="9525" marB="0" anchor="ctr">
+                    <a:lnL w="6350" cap="flat" cmpd="sng" algn="ctr">
+                      <a:solidFill>
+                        <a:schemeClr val="bg1">
+                          <a:lumMod val="75000"/>
+                        </a:schemeClr>
+                      </a:solidFill>
+                      <a:prstDash val="solid"/>
+                      <a:round/>
+                      <a:headEnd type="none" w="med" len="med"/>
+                      <a:tailEnd type="none" w="med" len="med"/>
+                    </a:lnL>
+                    <a:lnR>
+                      <a:noFill/>
+                    </a:lnR>
+                    <a:lnT w="6350" cap="flat" cmpd="sng" algn="ctr">
+                      <a:solidFill>
+                        <a:schemeClr val="bg1">
+                          <a:lumMod val="85000"/>
+                        </a:schemeClr>
+                      </a:solidFill>
+                      <a:prstDash val="solid"/>
+                      <a:round/>
+                      <a:headEnd type="none" w="med" len="med"/>
+                      <a:tailEnd type="none" w="med" len="med"/>
+                    </a:lnT>
+                    <a:lnB w="6350" cap="flat" cmpd="sng" algn="ctr">
+                      <a:solidFill>
+                        <a:schemeClr val="bg1">
+                          <a:lumMod val="85000"/>
+                        </a:schemeClr>
+                      </a:solidFill>
+                      <a:prstDash val="solid"/>
+                      <a:round/>
+                      <a:headEnd type="none" w="med" len="med"/>
+                      <a:tailEnd type="none" w="med" len="med"/>
+                    </a:lnB>
+                    <a:lnTlToBr w="12700" cmpd="sng">
+                      <a:noFill/>
+                      <a:prstDash val="solid"/>
+                    </a:lnTlToBr>
+                    <a:lnBlToTr w="12700" cmpd="sng">
+                      <a:noFill/>
+                      <a:prstDash val="solid"/>
+                    </a:lnBlToTr>
+                  </a:tcPr>
                 </a:tc>
                 <a:extLst>
                   <a:ext uri="{0D108BD9-81ED-4DB2-BD59-A6C34878D82A}">
-                    <a16:rowId xmlns:a16="http://schemas.microsoft.com/office/drawing/2014/main" val="1737974441"/>
+                    <a16:rowId xmlns:a16="http://schemas.microsoft.com/office/drawing/2014/main" val="279712677"/>
+                  </a:ext>
+                </a:extLst>
+              </a:tr>
+            </a:tbl>
+          </a:graphicData>
+        </a:graphic>
+      </p:graphicFrame>
+      <p:graphicFrame>
+        <p:nvGraphicFramePr>
+          <p:cNvPr id="22" name="표 21">
+            <a:extLst>
+              <a:ext uri="{FF2B5EF4-FFF2-40B4-BE49-F238E27FC236}">
+                <a16:creationId xmlns:a16="http://schemas.microsoft.com/office/drawing/2014/main" id="{0E7CB902-AD90-413F-9A5F-1153286F1D5E}"/>
+              </a:ext>
+            </a:extLst>
+          </p:cNvPr>
+          <p:cNvGraphicFramePr>
+            <a:graphicFrameLocks noGrp="1"/>
+          </p:cNvGraphicFramePr>
+          <p:nvPr>
+            <p:extLst>
+              <p:ext uri="{D42A27DB-BD31-4B8C-83A1-F6EECF244321}">
+                <p14:modId xmlns:p14="http://schemas.microsoft.com/office/powerpoint/2010/main" val="2914535930"/>
+              </p:ext>
+            </p:extLst>
+          </p:nvPr>
+        </p:nvGraphicFramePr>
+        <p:xfrm>
+          <a:off x="2679222" y="1572198"/>
+          <a:ext cx="1676401" cy="971571"/>
+        </p:xfrm>
+        <a:graphic>
+          <a:graphicData uri="http://schemas.openxmlformats.org/drawingml/2006/table">
+            <a:tbl>
+              <a:tblPr firstRow="1" bandRow="1">
+                <a:tableStyleId>{2D5ABB26-0587-4C30-8999-92F81FD0307C}</a:tableStyleId>
+              </a:tblPr>
+              <a:tblGrid>
+                <a:gridCol w="762001">
+                  <a:extLst>
+                    <a:ext uri="{9D8B030D-6E8A-4147-A177-3AD203B41FA5}">
+                      <a16:colId xmlns:a16="http://schemas.microsoft.com/office/drawing/2014/main" val="3070361579"/>
+                    </a:ext>
+                  </a:extLst>
+                </a:gridCol>
+                <a:gridCol w="914400">
+                  <a:extLst>
+                    <a:ext uri="{9D8B030D-6E8A-4147-A177-3AD203B41FA5}">
+                      <a16:colId xmlns:a16="http://schemas.microsoft.com/office/drawing/2014/main" val="2135770378"/>
+                    </a:ext>
+                  </a:extLst>
+                </a:gridCol>
+              </a:tblGrid>
+              <a:tr h="256602">
+                <a:tc>
+                  <a:txBody>
+                    <a:bodyPr/>
+                    <a:lstStyle/>
+                    <a:p>
+                      <a:pPr algn="ctr" latinLnBrk="1"/>
+                      <a:r>
+                        <a:rPr lang="ko-KR" altLang="en-US" sz="900" b="1">
+                          <a:ln>
+                            <a:solidFill>
+                              <a:schemeClr val="accent1">
+                                <a:alpha val="0"/>
+                              </a:schemeClr>
+                            </a:solidFill>
+                          </a:ln>
+                          <a:solidFill>
+                            <a:schemeClr val="bg1"/>
+                          </a:solidFill>
+                          <a:latin typeface="+mn-ea"/>
+                          <a:ea typeface="+mn-ea"/>
+                        </a:rPr>
+                        <a:t>테이블명</a:t>
+                      </a:r>
+                      <a:endParaRPr lang="ko-KR" altLang="en-US" sz="900" b="1" dirty="0">
+                        <a:ln>
+                          <a:solidFill>
+                            <a:schemeClr val="accent1">
+                              <a:alpha val="0"/>
+                            </a:schemeClr>
+                          </a:solidFill>
+                        </a:ln>
+                        <a:solidFill>
+                          <a:schemeClr val="bg1"/>
+                        </a:solidFill>
+                        <a:latin typeface="+mn-ea"/>
+                        <a:ea typeface="+mn-ea"/>
+                      </a:endParaRPr>
+                    </a:p>
+                  </a:txBody>
+                  <a:tcPr anchor="ctr">
+                    <a:lnL w="19050" cap="flat" cmpd="sng" algn="ctr">
+                      <a:solidFill>
+                        <a:schemeClr val="bg1"/>
+                      </a:solidFill>
+                      <a:prstDash val="solid"/>
+                      <a:round/>
+                      <a:headEnd type="none" w="med" len="med"/>
+                      <a:tailEnd type="none" w="med" len="med"/>
+                    </a:lnL>
+                    <a:lnR w="19050" cap="flat" cmpd="sng" algn="ctr">
+                      <a:solidFill>
+                        <a:schemeClr val="bg1"/>
+                      </a:solidFill>
+                      <a:prstDash val="solid"/>
+                      <a:round/>
+                      <a:headEnd type="none" w="med" len="med"/>
+                      <a:tailEnd type="none" w="med" len="med"/>
+                    </a:lnR>
+                    <a:lnB w="6350" cap="flat" cmpd="sng" algn="ctr">
+                      <a:solidFill>
+                        <a:schemeClr val="bg1">
+                          <a:lumMod val="75000"/>
+                        </a:schemeClr>
+                      </a:solidFill>
+                      <a:prstDash val="solid"/>
+                      <a:round/>
+                      <a:headEnd type="none" w="med" len="med"/>
+                      <a:tailEnd type="none" w="med" len="med"/>
+                    </a:lnB>
+                    <a:solidFill>
+                      <a:schemeClr val="tx2">
+                        <a:lumMod val="60000"/>
+                        <a:lumOff val="40000"/>
+                      </a:schemeClr>
+                    </a:solidFill>
+                  </a:tcPr>
+                </a:tc>
+                <a:tc>
+                  <a:txBody>
+                    <a:bodyPr/>
+                    <a:lstStyle/>
+                    <a:p>
+                      <a:pPr algn="ctr" latinLnBrk="1"/>
+                      <a:r>
+                        <a:rPr lang="ko-KR" altLang="en-US" sz="900" b="1">
+                          <a:ln>
+                            <a:solidFill>
+                              <a:schemeClr val="accent1">
+                                <a:alpha val="0"/>
+                              </a:schemeClr>
+                            </a:solidFill>
+                          </a:ln>
+                          <a:solidFill>
+                            <a:schemeClr val="bg1"/>
+                          </a:solidFill>
+                          <a:latin typeface="+mn-ea"/>
+                          <a:ea typeface="+mn-ea"/>
+                        </a:rPr>
+                        <a:t>테이블설명</a:t>
+                      </a:r>
+                      <a:endParaRPr lang="ko-KR" altLang="en-US" sz="900" b="1" dirty="0">
+                        <a:ln>
+                          <a:solidFill>
+                            <a:schemeClr val="accent1">
+                              <a:alpha val="0"/>
+                            </a:schemeClr>
+                          </a:solidFill>
+                        </a:ln>
+                        <a:solidFill>
+                          <a:schemeClr val="bg1"/>
+                        </a:solidFill>
+                        <a:latin typeface="+mn-ea"/>
+                        <a:ea typeface="+mn-ea"/>
+                      </a:endParaRPr>
+                    </a:p>
+                  </a:txBody>
+                  <a:tcPr anchor="ctr">
+                    <a:lnL w="19050" cap="flat" cmpd="sng" algn="ctr">
+                      <a:solidFill>
+                        <a:schemeClr val="bg1"/>
+                      </a:solidFill>
+                      <a:prstDash val="solid"/>
+                      <a:round/>
+                      <a:headEnd type="none" w="med" len="med"/>
+                      <a:tailEnd type="none" w="med" len="med"/>
+                    </a:lnL>
+                    <a:lnR w="19050" cap="flat" cmpd="sng" algn="ctr">
+                      <a:solidFill>
+                        <a:schemeClr val="bg1"/>
+                      </a:solidFill>
+                      <a:prstDash val="solid"/>
+                      <a:round/>
+                      <a:headEnd type="none" w="med" len="med"/>
+                      <a:tailEnd type="none" w="med" len="med"/>
+                    </a:lnR>
+                    <a:lnB w="6350" cap="flat" cmpd="sng" algn="ctr">
+                      <a:solidFill>
+                        <a:schemeClr val="bg1">
+                          <a:lumMod val="75000"/>
+                        </a:schemeClr>
+                      </a:solidFill>
+                      <a:prstDash val="solid"/>
+                      <a:round/>
+                      <a:headEnd type="none" w="med" len="med"/>
+                      <a:tailEnd type="none" w="med" len="med"/>
+                    </a:lnB>
+                    <a:solidFill>
+                      <a:schemeClr val="tx2">
+                        <a:lumMod val="60000"/>
+                        <a:lumOff val="40000"/>
+                      </a:schemeClr>
+                    </a:solidFill>
+                  </a:tcPr>
+                </a:tc>
+                <a:extLst>
+                  <a:ext uri="{0D108BD9-81ED-4DB2-BD59-A6C34878D82A}">
+                    <a16:rowId xmlns:a16="http://schemas.microsoft.com/office/drawing/2014/main" val="3284227695"/>
+                  </a:ext>
+                </a:extLst>
+              </a:tr>
+              <a:tr h="238323">
+                <a:tc>
+                  <a:txBody>
+                    <a:bodyPr/>
+                    <a:lstStyle/>
+                    <a:p>
+                      <a:pPr algn="ctr" fontAlgn="ctr"/>
+                      <a:r>
+                        <a:rPr lang="en-US" altLang="ko-KR" sz="1000" b="1" i="0" u="none" strike="noStrike">
+                          <a:ln>
+                            <a:solidFill>
+                              <a:schemeClr val="accent1">
+                                <a:alpha val="0"/>
+                              </a:schemeClr>
+                            </a:solidFill>
+                          </a:ln>
+                          <a:solidFill>
+                            <a:srgbClr val="3F3F3F"/>
+                          </a:solidFill>
+                          <a:effectLst/>
+                          <a:latin typeface="+mn-ea"/>
+                          <a:ea typeface="+mn-ea"/>
+                        </a:rPr>
+                        <a:t>TAB01</a:t>
+                      </a:r>
+                    </a:p>
+                  </a:txBody>
+                  <a:tcPr marL="9525" marR="9525" marT="9525" marB="0" anchor="ctr">
+                    <a:lnL w="6350" cap="flat" cmpd="sng" algn="ctr">
+                      <a:solidFill>
+                        <a:schemeClr val="bg1">
+                          <a:lumMod val="75000"/>
+                        </a:schemeClr>
+                      </a:solidFill>
+                      <a:prstDash val="solid"/>
+                      <a:round/>
+                      <a:headEnd type="none" w="med" len="med"/>
+                      <a:tailEnd type="none" w="med" len="med"/>
+                    </a:lnL>
+                    <a:lnR w="6350" cap="flat" cmpd="sng" algn="ctr">
+                      <a:solidFill>
+                        <a:schemeClr val="bg1">
+                          <a:lumMod val="75000"/>
+                        </a:schemeClr>
+                      </a:solidFill>
+                      <a:prstDash val="solid"/>
+                      <a:round/>
+                      <a:headEnd type="none" w="med" len="med"/>
+                      <a:tailEnd type="none" w="med" len="med"/>
+                    </a:lnR>
+                    <a:lnT w="6350" cap="flat" cmpd="sng" algn="ctr">
+                      <a:solidFill>
+                        <a:schemeClr val="bg1">
+                          <a:lumMod val="75000"/>
+                        </a:schemeClr>
+                      </a:solidFill>
+                      <a:prstDash val="solid"/>
+                      <a:round/>
+                      <a:headEnd type="none" w="med" len="med"/>
+                      <a:tailEnd type="none" w="med" len="med"/>
+                    </a:lnT>
+                    <a:lnB w="6350" cap="flat" cmpd="sng" algn="ctr">
+                      <a:solidFill>
+                        <a:schemeClr val="bg1">
+                          <a:lumMod val="75000"/>
+                        </a:schemeClr>
+                      </a:solidFill>
+                      <a:prstDash val="solid"/>
+                      <a:round/>
+                      <a:headEnd type="none" w="med" len="med"/>
+                      <a:tailEnd type="none" w="med" len="med"/>
+                    </a:lnB>
+                    <a:lnTlToBr w="12700" cmpd="sng">
+                      <a:noFill/>
+                      <a:prstDash val="solid"/>
+                    </a:lnTlToBr>
+                    <a:lnBlToTr w="12700" cmpd="sng">
+                      <a:noFill/>
+                      <a:prstDash val="solid"/>
+                    </a:lnBlToTr>
+                  </a:tcPr>
+                </a:tc>
+                <a:tc>
+                  <a:txBody>
+                    <a:bodyPr/>
+                    <a:lstStyle/>
+                    <a:p>
+                      <a:pPr algn="ctr" fontAlgn="ctr"/>
+                      <a:r>
+                        <a:rPr lang="ko-KR" altLang="en-US" sz="1000" b="1" i="0" u="none" strike="noStrike">
+                          <a:ln>
+                            <a:solidFill>
+                              <a:schemeClr val="accent1">
+                                <a:alpha val="0"/>
+                              </a:schemeClr>
+                            </a:solidFill>
+                          </a:ln>
+                          <a:solidFill>
+                            <a:srgbClr val="3F3F3F"/>
+                          </a:solidFill>
+                          <a:effectLst/>
+                          <a:latin typeface="+mn-ea"/>
+                          <a:ea typeface="+mn-ea"/>
+                        </a:rPr>
+                        <a:t>테이블</a:t>
+                      </a:r>
+                      <a:r>
+                        <a:rPr lang="en-US" altLang="ko-KR" sz="1000" b="1" i="0" u="none" strike="noStrike">
+                          <a:ln>
+                            <a:solidFill>
+                              <a:schemeClr val="accent1">
+                                <a:alpha val="0"/>
+                              </a:schemeClr>
+                            </a:solidFill>
+                          </a:ln>
+                          <a:solidFill>
+                            <a:srgbClr val="3F3F3F"/>
+                          </a:solidFill>
+                          <a:effectLst/>
+                          <a:latin typeface="+mn-ea"/>
+                          <a:ea typeface="+mn-ea"/>
+                        </a:rPr>
+                        <a:t>01</a:t>
+                      </a:r>
+                      <a:endParaRPr lang="en-US" sz="1000" b="1" i="0" u="none" strike="noStrike">
+                        <a:ln>
+                          <a:solidFill>
+                            <a:schemeClr val="accent1">
+                              <a:alpha val="0"/>
+                            </a:schemeClr>
+                          </a:solidFill>
+                        </a:ln>
+                        <a:solidFill>
+                          <a:srgbClr val="3F3F3F"/>
+                        </a:solidFill>
+                        <a:effectLst/>
+                        <a:latin typeface="+mn-ea"/>
+                        <a:ea typeface="+mn-ea"/>
+                      </a:endParaRPr>
+                    </a:p>
+                  </a:txBody>
+                  <a:tcPr marL="9525" marR="9525" marT="9525" marB="0" anchor="ctr">
+                    <a:lnL w="6350" cap="flat" cmpd="sng" algn="ctr">
+                      <a:solidFill>
+                        <a:schemeClr val="bg1">
+                          <a:lumMod val="75000"/>
+                        </a:schemeClr>
+                      </a:solidFill>
+                      <a:prstDash val="solid"/>
+                      <a:round/>
+                      <a:headEnd type="none" w="med" len="med"/>
+                      <a:tailEnd type="none" w="med" len="med"/>
+                    </a:lnL>
+                    <a:lnR w="6350" cap="flat" cmpd="sng" algn="ctr">
+                      <a:solidFill>
+                        <a:schemeClr val="bg1">
+                          <a:lumMod val="75000"/>
+                        </a:schemeClr>
+                      </a:solidFill>
+                      <a:prstDash val="solid"/>
+                      <a:round/>
+                      <a:headEnd type="none" w="med" len="med"/>
+                      <a:tailEnd type="none" w="med" len="med"/>
+                    </a:lnR>
+                    <a:lnT w="6350" cap="flat" cmpd="sng" algn="ctr">
+                      <a:solidFill>
+                        <a:schemeClr val="bg1">
+                          <a:lumMod val="75000"/>
+                        </a:schemeClr>
+                      </a:solidFill>
+                      <a:prstDash val="solid"/>
+                      <a:round/>
+                      <a:headEnd type="none" w="med" len="med"/>
+                      <a:tailEnd type="none" w="med" len="med"/>
+                    </a:lnT>
+                    <a:lnB w="6350" cap="flat" cmpd="sng" algn="ctr">
+                      <a:solidFill>
+                        <a:schemeClr val="bg1">
+                          <a:lumMod val="75000"/>
+                        </a:schemeClr>
+                      </a:solidFill>
+                      <a:prstDash val="solid"/>
+                      <a:round/>
+                      <a:headEnd type="none" w="med" len="med"/>
+                      <a:tailEnd type="none" w="med" len="med"/>
+                    </a:lnB>
+                    <a:lnTlToBr w="12700" cmpd="sng">
+                      <a:noFill/>
+                      <a:prstDash val="solid"/>
+                    </a:lnTlToBr>
+                    <a:lnBlToTr w="12700" cmpd="sng">
+                      <a:noFill/>
+                      <a:prstDash val="solid"/>
+                    </a:lnBlToTr>
+                  </a:tcPr>
+                </a:tc>
+                <a:extLst>
+                  <a:ext uri="{0D108BD9-81ED-4DB2-BD59-A6C34878D82A}">
+                    <a16:rowId xmlns:a16="http://schemas.microsoft.com/office/drawing/2014/main" val="3886786603"/>
+                  </a:ext>
+                </a:extLst>
+              </a:tr>
+              <a:tr h="238323">
+                <a:tc>
+                  <a:txBody>
+                    <a:bodyPr/>
+                    <a:lstStyle/>
+                    <a:p>
+                      <a:pPr algn="ctr" fontAlgn="ctr"/>
+                      <a:r>
+                        <a:rPr lang="en-US" altLang="ko-KR" sz="1000" b="1" i="0" u="none" strike="noStrike">
+                          <a:ln>
+                            <a:solidFill>
+                              <a:schemeClr val="accent1">
+                                <a:alpha val="0"/>
+                              </a:schemeClr>
+                            </a:solidFill>
+                          </a:ln>
+                          <a:solidFill>
+                            <a:srgbClr val="3F3F3F"/>
+                          </a:solidFill>
+                          <a:effectLst/>
+                          <a:latin typeface="+mn-ea"/>
+                          <a:ea typeface="+mn-ea"/>
+                        </a:rPr>
+                        <a:t>TAB02</a:t>
+                      </a:r>
+                    </a:p>
+                  </a:txBody>
+                  <a:tcPr marL="9525" marR="9525" marT="9525" marB="0" anchor="ctr">
+                    <a:lnL w="6350" cap="flat" cmpd="sng" algn="ctr">
+                      <a:solidFill>
+                        <a:schemeClr val="bg1">
+                          <a:lumMod val="75000"/>
+                        </a:schemeClr>
+                      </a:solidFill>
+                      <a:prstDash val="solid"/>
+                      <a:round/>
+                      <a:headEnd type="none" w="med" len="med"/>
+                      <a:tailEnd type="none" w="med" len="med"/>
+                    </a:lnL>
+                    <a:lnR w="6350" cap="flat" cmpd="sng" algn="ctr">
+                      <a:solidFill>
+                        <a:schemeClr val="bg1">
+                          <a:lumMod val="75000"/>
+                        </a:schemeClr>
+                      </a:solidFill>
+                      <a:prstDash val="solid"/>
+                      <a:round/>
+                      <a:headEnd type="none" w="med" len="med"/>
+                      <a:tailEnd type="none" w="med" len="med"/>
+                    </a:lnR>
+                    <a:lnT w="6350" cap="flat" cmpd="sng" algn="ctr">
+                      <a:solidFill>
+                        <a:schemeClr val="bg1">
+                          <a:lumMod val="75000"/>
+                        </a:schemeClr>
+                      </a:solidFill>
+                      <a:prstDash val="solid"/>
+                      <a:round/>
+                      <a:headEnd type="none" w="med" len="med"/>
+                      <a:tailEnd type="none" w="med" len="med"/>
+                    </a:lnT>
+                    <a:lnB w="6350" cap="flat" cmpd="sng" algn="ctr">
+                      <a:solidFill>
+                        <a:schemeClr val="bg1">
+                          <a:lumMod val="75000"/>
+                        </a:schemeClr>
+                      </a:solidFill>
+                      <a:prstDash val="solid"/>
+                      <a:round/>
+                      <a:headEnd type="none" w="med" len="med"/>
+                      <a:tailEnd type="none" w="med" len="med"/>
+                    </a:lnB>
+                    <a:lnTlToBr w="12700" cmpd="sng">
+                      <a:noFill/>
+                      <a:prstDash val="solid"/>
+                    </a:lnTlToBr>
+                    <a:lnBlToTr w="12700" cmpd="sng">
+                      <a:noFill/>
+                      <a:prstDash val="solid"/>
+                    </a:lnBlToTr>
+                  </a:tcPr>
+                </a:tc>
+                <a:tc>
+                  <a:txBody>
+                    <a:bodyPr/>
+                    <a:lstStyle/>
+                    <a:p>
+                      <a:pPr algn="ctr" fontAlgn="ctr"/>
+                      <a:r>
+                        <a:rPr lang="ko-KR" altLang="en-US" sz="1000" b="1" i="0" u="none" strike="noStrike">
+                          <a:ln>
+                            <a:solidFill>
+                              <a:schemeClr val="accent1">
+                                <a:alpha val="0"/>
+                              </a:schemeClr>
+                            </a:solidFill>
+                          </a:ln>
+                          <a:solidFill>
+                            <a:srgbClr val="3F3F3F"/>
+                          </a:solidFill>
+                          <a:effectLst/>
+                          <a:latin typeface="+mn-ea"/>
+                          <a:ea typeface="+mn-ea"/>
+                        </a:rPr>
+                        <a:t>테이블</a:t>
+                      </a:r>
+                      <a:r>
+                        <a:rPr lang="en-US" altLang="ko-KR" sz="1000" b="1" i="0" u="none" strike="noStrike">
+                          <a:ln>
+                            <a:solidFill>
+                              <a:schemeClr val="accent1">
+                                <a:alpha val="0"/>
+                              </a:schemeClr>
+                            </a:solidFill>
+                          </a:ln>
+                          <a:solidFill>
+                            <a:srgbClr val="3F3F3F"/>
+                          </a:solidFill>
+                          <a:effectLst/>
+                          <a:latin typeface="+mn-ea"/>
+                          <a:ea typeface="+mn-ea"/>
+                        </a:rPr>
+                        <a:t>02</a:t>
+                      </a:r>
+                      <a:endParaRPr lang="en-US" sz="1000" b="1" i="0" u="none" strike="noStrike">
+                        <a:ln>
+                          <a:solidFill>
+                            <a:schemeClr val="accent1">
+                              <a:alpha val="0"/>
+                            </a:schemeClr>
+                          </a:solidFill>
+                        </a:ln>
+                        <a:solidFill>
+                          <a:srgbClr val="3F3F3F"/>
+                        </a:solidFill>
+                        <a:effectLst/>
+                        <a:latin typeface="+mn-ea"/>
+                        <a:ea typeface="+mn-ea"/>
+                      </a:endParaRPr>
+                    </a:p>
+                  </a:txBody>
+                  <a:tcPr marL="9525" marR="9525" marT="9525" marB="0" anchor="ctr">
+                    <a:lnL w="6350" cap="flat" cmpd="sng" algn="ctr">
+                      <a:solidFill>
+                        <a:schemeClr val="bg1">
+                          <a:lumMod val="75000"/>
+                        </a:schemeClr>
+                      </a:solidFill>
+                      <a:prstDash val="solid"/>
+                      <a:round/>
+                      <a:headEnd type="none" w="med" len="med"/>
+                      <a:tailEnd type="none" w="med" len="med"/>
+                    </a:lnL>
+                    <a:lnR w="6350" cap="flat" cmpd="sng" algn="ctr">
+                      <a:solidFill>
+                        <a:schemeClr val="bg1">
+                          <a:lumMod val="75000"/>
+                        </a:schemeClr>
+                      </a:solidFill>
+                      <a:prstDash val="solid"/>
+                      <a:round/>
+                      <a:headEnd type="none" w="med" len="med"/>
+                      <a:tailEnd type="none" w="med" len="med"/>
+                    </a:lnR>
+                    <a:lnT w="6350" cap="flat" cmpd="sng" algn="ctr">
+                      <a:solidFill>
+                        <a:schemeClr val="bg1">
+                          <a:lumMod val="75000"/>
+                        </a:schemeClr>
+                      </a:solidFill>
+                      <a:prstDash val="solid"/>
+                      <a:round/>
+                      <a:headEnd type="none" w="med" len="med"/>
+                      <a:tailEnd type="none" w="med" len="med"/>
+                    </a:lnT>
+                    <a:lnB w="6350" cap="flat" cmpd="sng" algn="ctr">
+                      <a:solidFill>
+                        <a:schemeClr val="bg1">
+                          <a:lumMod val="75000"/>
+                        </a:schemeClr>
+                      </a:solidFill>
+                      <a:prstDash val="solid"/>
+                      <a:round/>
+                      <a:headEnd type="none" w="med" len="med"/>
+                      <a:tailEnd type="none" w="med" len="med"/>
+                    </a:lnB>
+                    <a:lnTlToBr w="12700" cmpd="sng">
+                      <a:noFill/>
+                      <a:prstDash val="solid"/>
+                    </a:lnTlToBr>
+                    <a:lnBlToTr w="12700" cmpd="sng">
+                      <a:noFill/>
+                      <a:prstDash val="solid"/>
+                    </a:lnBlToTr>
+                  </a:tcPr>
+                </a:tc>
+                <a:extLst>
+                  <a:ext uri="{0D108BD9-81ED-4DB2-BD59-A6C34878D82A}">
+                    <a16:rowId xmlns:a16="http://schemas.microsoft.com/office/drawing/2014/main" val="2012833175"/>
+                  </a:ext>
+                </a:extLst>
+              </a:tr>
+              <a:tr h="238323">
+                <a:tc>
+                  <a:txBody>
+                    <a:bodyPr/>
+                    <a:lstStyle/>
+                    <a:p>
+                      <a:pPr algn="ctr" fontAlgn="ctr"/>
+                      <a:r>
+                        <a:rPr lang="en-US" altLang="ko-KR" sz="1000" b="1" i="0" u="none" strike="noStrike">
+                          <a:ln>
+                            <a:solidFill>
+                              <a:schemeClr val="accent1">
+                                <a:alpha val="0"/>
+                              </a:schemeClr>
+                            </a:solidFill>
+                          </a:ln>
+                          <a:solidFill>
+                            <a:srgbClr val="3F3F3F"/>
+                          </a:solidFill>
+                          <a:effectLst/>
+                          <a:latin typeface="+mn-ea"/>
+                          <a:ea typeface="+mn-ea"/>
+                        </a:rPr>
+                        <a:t>TAB03</a:t>
+                      </a:r>
+                    </a:p>
+                  </a:txBody>
+                  <a:tcPr marL="9525" marR="9525" marT="9525" marB="0" anchor="ctr">
+                    <a:lnL w="6350" cap="flat" cmpd="sng" algn="ctr">
+                      <a:solidFill>
+                        <a:schemeClr val="bg1">
+                          <a:lumMod val="75000"/>
+                        </a:schemeClr>
+                      </a:solidFill>
+                      <a:prstDash val="solid"/>
+                      <a:round/>
+                      <a:headEnd type="none" w="med" len="med"/>
+                      <a:tailEnd type="none" w="med" len="med"/>
+                    </a:lnL>
+                    <a:lnR w="6350" cap="flat" cmpd="sng" algn="ctr">
+                      <a:solidFill>
+                        <a:schemeClr val="bg1">
+                          <a:lumMod val="75000"/>
+                        </a:schemeClr>
+                      </a:solidFill>
+                      <a:prstDash val="solid"/>
+                      <a:round/>
+                      <a:headEnd type="none" w="med" len="med"/>
+                      <a:tailEnd type="none" w="med" len="med"/>
+                    </a:lnR>
+                    <a:lnT w="6350" cap="flat" cmpd="sng" algn="ctr">
+                      <a:solidFill>
+                        <a:schemeClr val="bg1">
+                          <a:lumMod val="75000"/>
+                        </a:schemeClr>
+                      </a:solidFill>
+                      <a:prstDash val="solid"/>
+                      <a:round/>
+                      <a:headEnd type="none" w="med" len="med"/>
+                      <a:tailEnd type="none" w="med" len="med"/>
+                    </a:lnT>
+                    <a:lnB w="6350" cap="flat" cmpd="sng" algn="ctr">
+                      <a:solidFill>
+                        <a:schemeClr val="bg1">
+                          <a:lumMod val="75000"/>
+                        </a:schemeClr>
+                      </a:solidFill>
+                      <a:prstDash val="solid"/>
+                      <a:round/>
+                      <a:headEnd type="none" w="med" len="med"/>
+                      <a:tailEnd type="none" w="med" len="med"/>
+                    </a:lnB>
+                    <a:lnTlToBr w="12700" cmpd="sng">
+                      <a:noFill/>
+                      <a:prstDash val="solid"/>
+                    </a:lnTlToBr>
+                    <a:lnBlToTr w="12700" cmpd="sng">
+                      <a:noFill/>
+                      <a:prstDash val="solid"/>
+                    </a:lnBlToTr>
+                  </a:tcPr>
+                </a:tc>
+                <a:tc>
+                  <a:txBody>
+                    <a:bodyPr/>
+                    <a:lstStyle/>
+                    <a:p>
+                      <a:pPr algn="ctr" fontAlgn="ctr"/>
+                      <a:r>
+                        <a:rPr lang="ko-KR" altLang="en-US" sz="1000" b="1" i="0" u="none" strike="noStrike">
+                          <a:ln>
+                            <a:solidFill>
+                              <a:schemeClr val="accent1">
+                                <a:alpha val="0"/>
+                              </a:schemeClr>
+                            </a:solidFill>
+                          </a:ln>
+                          <a:solidFill>
+                            <a:srgbClr val="3F3F3F"/>
+                          </a:solidFill>
+                          <a:effectLst/>
+                          <a:latin typeface="+mn-ea"/>
+                          <a:ea typeface="+mn-ea"/>
+                        </a:rPr>
+                        <a:t>테이블</a:t>
+                      </a:r>
+                      <a:r>
+                        <a:rPr lang="en-US" altLang="ko-KR" sz="1000" b="1" i="0" u="none" strike="noStrike">
+                          <a:ln>
+                            <a:solidFill>
+                              <a:schemeClr val="accent1">
+                                <a:alpha val="0"/>
+                              </a:schemeClr>
+                            </a:solidFill>
+                          </a:ln>
+                          <a:solidFill>
+                            <a:srgbClr val="3F3F3F"/>
+                          </a:solidFill>
+                          <a:effectLst/>
+                          <a:latin typeface="+mn-ea"/>
+                          <a:ea typeface="+mn-ea"/>
+                        </a:rPr>
+                        <a:t>03</a:t>
+                      </a:r>
+                      <a:endParaRPr lang="en-US" sz="1000" b="1" i="0" u="none" strike="noStrike">
+                        <a:ln>
+                          <a:solidFill>
+                            <a:schemeClr val="accent1">
+                              <a:alpha val="0"/>
+                            </a:schemeClr>
+                          </a:solidFill>
+                        </a:ln>
+                        <a:solidFill>
+                          <a:srgbClr val="3F3F3F"/>
+                        </a:solidFill>
+                        <a:effectLst/>
+                        <a:latin typeface="+mn-ea"/>
+                        <a:ea typeface="+mn-ea"/>
+                      </a:endParaRPr>
+                    </a:p>
+                  </a:txBody>
+                  <a:tcPr marL="9525" marR="9525" marT="9525" marB="0" anchor="ctr">
+                    <a:lnL w="6350" cap="flat" cmpd="sng" algn="ctr">
+                      <a:solidFill>
+                        <a:schemeClr val="bg1">
+                          <a:lumMod val="75000"/>
+                        </a:schemeClr>
+                      </a:solidFill>
+                      <a:prstDash val="solid"/>
+                      <a:round/>
+                      <a:headEnd type="none" w="med" len="med"/>
+                      <a:tailEnd type="none" w="med" len="med"/>
+                    </a:lnL>
+                    <a:lnR w="6350" cap="flat" cmpd="sng" algn="ctr">
+                      <a:solidFill>
+                        <a:schemeClr val="bg1">
+                          <a:lumMod val="75000"/>
+                        </a:schemeClr>
+                      </a:solidFill>
+                      <a:prstDash val="solid"/>
+                      <a:round/>
+                      <a:headEnd type="none" w="med" len="med"/>
+                      <a:tailEnd type="none" w="med" len="med"/>
+                    </a:lnR>
+                    <a:lnT w="6350" cap="flat" cmpd="sng" algn="ctr">
+                      <a:solidFill>
+                        <a:schemeClr val="bg1">
+                          <a:lumMod val="75000"/>
+                        </a:schemeClr>
+                      </a:solidFill>
+                      <a:prstDash val="solid"/>
+                      <a:round/>
+                      <a:headEnd type="none" w="med" len="med"/>
+                      <a:tailEnd type="none" w="med" len="med"/>
+                    </a:lnT>
+                    <a:lnB w="6350" cap="flat" cmpd="sng" algn="ctr">
+                      <a:solidFill>
+                        <a:schemeClr val="bg1">
+                          <a:lumMod val="75000"/>
+                        </a:schemeClr>
+                      </a:solidFill>
+                      <a:prstDash val="solid"/>
+                      <a:round/>
+                      <a:headEnd type="none" w="med" len="med"/>
+                      <a:tailEnd type="none" w="med" len="med"/>
+                    </a:lnB>
+                    <a:lnTlToBr w="12700" cmpd="sng">
+                      <a:noFill/>
+                      <a:prstDash val="solid"/>
+                    </a:lnTlToBr>
+                    <a:lnBlToTr w="12700" cmpd="sng">
+                      <a:noFill/>
+                      <a:prstDash val="solid"/>
+                    </a:lnBlToTr>
+                  </a:tcPr>
+                </a:tc>
+                <a:extLst>
+                  <a:ext uri="{0D108BD9-81ED-4DB2-BD59-A6C34878D82A}">
+                    <a16:rowId xmlns:a16="http://schemas.microsoft.com/office/drawing/2014/main" val="279712677"/>
                   </a:ext>
                 </a:extLst>
               </a:tr>
@@ -28489,6 +29773,1496 @@
           </a:p>
         </p:txBody>
       </p:sp>
+      <p:graphicFrame>
+        <p:nvGraphicFramePr>
+          <p:cNvPr id="5" name="표 4">
+            <a:extLst>
+              <a:ext uri="{FF2B5EF4-FFF2-40B4-BE49-F238E27FC236}">
+                <a16:creationId xmlns:a16="http://schemas.microsoft.com/office/drawing/2014/main" id="{D219473C-F475-45EC-B7FD-A619C230D4D0}"/>
+              </a:ext>
+            </a:extLst>
+          </p:cNvPr>
+          <p:cNvGraphicFramePr>
+            <a:graphicFrameLocks noGrp="1"/>
+          </p:cNvGraphicFramePr>
+          <p:nvPr>
+            <p:extLst>
+              <p:ext uri="{D42A27DB-BD31-4B8C-83A1-F6EECF244321}">
+                <p14:modId xmlns:p14="http://schemas.microsoft.com/office/powerpoint/2010/main" val="2616876967"/>
+              </p:ext>
+            </p:extLst>
+          </p:nvPr>
+        </p:nvGraphicFramePr>
+        <p:xfrm>
+          <a:off x="609599" y="2338864"/>
+          <a:ext cx="8839199" cy="2222544"/>
+        </p:xfrm>
+        <a:graphic>
+          <a:graphicData uri="http://schemas.openxmlformats.org/drawingml/2006/table">
+            <a:tbl>
+              <a:tblPr firstRow="1" bandRow="1">
+                <a:tableStyleId>{2D5ABB26-0587-4C30-8999-92F81FD0307C}</a:tableStyleId>
+              </a:tblPr>
+              <a:tblGrid>
+                <a:gridCol w="594946">
+                  <a:extLst>
+                    <a:ext uri="{9D8B030D-6E8A-4147-A177-3AD203B41FA5}">
+                      <a16:colId xmlns:a16="http://schemas.microsoft.com/office/drawing/2014/main" val="3070361579"/>
+                    </a:ext>
+                  </a:extLst>
+                </a:gridCol>
+                <a:gridCol w="934915">
+                  <a:extLst>
+                    <a:ext uri="{9D8B030D-6E8A-4147-A177-3AD203B41FA5}">
+                      <a16:colId xmlns:a16="http://schemas.microsoft.com/office/drawing/2014/main" val="2135770378"/>
+                    </a:ext>
+                  </a:extLst>
+                </a:gridCol>
+                <a:gridCol w="7309338">
+                  <a:extLst>
+                    <a:ext uri="{9D8B030D-6E8A-4147-A177-3AD203B41FA5}">
+                      <a16:colId xmlns:a16="http://schemas.microsoft.com/office/drawing/2014/main" val="1891257885"/>
+                    </a:ext>
+                  </a:extLst>
+                </a:gridCol>
+              </a:tblGrid>
+              <a:tr h="337114">
+                <a:tc>
+                  <a:txBody>
+                    <a:bodyPr/>
+                    <a:lstStyle/>
+                    <a:p>
+                      <a:pPr algn="ctr" latinLnBrk="1"/>
+                      <a:r>
+                        <a:rPr lang="ko-KR" altLang="en-US" sz="1100">
+                          <a:solidFill>
+                            <a:schemeClr val="bg1"/>
+                          </a:solidFill>
+                          <a:latin typeface="+mn-ea"/>
+                          <a:ea typeface="+mn-ea"/>
+                        </a:rPr>
+                        <a:t>번호</a:t>
+                      </a:r>
+                      <a:endParaRPr lang="ko-KR" altLang="en-US" sz="1100" dirty="0">
+                        <a:solidFill>
+                          <a:schemeClr val="bg1"/>
+                        </a:solidFill>
+                        <a:latin typeface="+mn-ea"/>
+                        <a:ea typeface="+mn-ea"/>
+                      </a:endParaRPr>
+                    </a:p>
+                  </a:txBody>
+                  <a:tcPr anchor="ctr">
+                    <a:lnL w="19050" cap="flat" cmpd="sng" algn="ctr">
+                      <a:solidFill>
+                        <a:schemeClr val="bg1"/>
+                      </a:solidFill>
+                      <a:prstDash val="solid"/>
+                      <a:round/>
+                      <a:headEnd type="none" w="med" len="med"/>
+                      <a:tailEnd type="none" w="med" len="med"/>
+                    </a:lnL>
+                    <a:lnR w="19050" cap="flat" cmpd="sng" algn="ctr">
+                      <a:solidFill>
+                        <a:schemeClr val="bg1"/>
+                      </a:solidFill>
+                      <a:prstDash val="solid"/>
+                      <a:round/>
+                      <a:headEnd type="none" w="med" len="med"/>
+                      <a:tailEnd type="none" w="med" len="med"/>
+                    </a:lnR>
+                    <a:lnB>
+                      <a:noFill/>
+                    </a:lnB>
+                    <a:solidFill>
+                      <a:srgbClr val="FFC000"/>
+                    </a:solidFill>
+                  </a:tcPr>
+                </a:tc>
+                <a:tc>
+                  <a:txBody>
+                    <a:bodyPr/>
+                    <a:lstStyle/>
+                    <a:p>
+                      <a:pPr algn="ctr" latinLnBrk="1"/>
+                      <a:r>
+                        <a:rPr lang="ko-KR" altLang="en-US" sz="1100">
+                          <a:solidFill>
+                            <a:schemeClr val="bg1"/>
+                          </a:solidFill>
+                          <a:latin typeface="+mn-ea"/>
+                          <a:ea typeface="+mn-ea"/>
+                        </a:rPr>
+                        <a:t>구분</a:t>
+                      </a:r>
+                      <a:endParaRPr lang="ko-KR" altLang="en-US" sz="1100" dirty="0">
+                        <a:solidFill>
+                          <a:schemeClr val="bg1"/>
+                        </a:solidFill>
+                        <a:latin typeface="+mn-ea"/>
+                        <a:ea typeface="+mn-ea"/>
+                      </a:endParaRPr>
+                    </a:p>
+                  </a:txBody>
+                  <a:tcPr anchor="ctr">
+                    <a:lnL w="19050" cap="flat" cmpd="sng" algn="ctr">
+                      <a:solidFill>
+                        <a:schemeClr val="bg1"/>
+                      </a:solidFill>
+                      <a:prstDash val="solid"/>
+                      <a:round/>
+                      <a:headEnd type="none" w="med" len="med"/>
+                      <a:tailEnd type="none" w="med" len="med"/>
+                    </a:lnL>
+                    <a:lnR w="19050" cap="flat" cmpd="sng" algn="ctr">
+                      <a:solidFill>
+                        <a:schemeClr val="bg1"/>
+                      </a:solidFill>
+                      <a:prstDash val="solid"/>
+                      <a:round/>
+                      <a:headEnd type="none" w="med" len="med"/>
+                      <a:tailEnd type="none" w="med" len="med"/>
+                    </a:lnR>
+                    <a:lnB>
+                      <a:noFill/>
+                    </a:lnB>
+                    <a:solidFill>
+                      <a:srgbClr val="FFC000"/>
+                    </a:solidFill>
+                  </a:tcPr>
+                </a:tc>
+                <a:tc>
+                  <a:txBody>
+                    <a:bodyPr/>
+                    <a:lstStyle/>
+                    <a:p>
+                      <a:pPr algn="ctr" latinLnBrk="1"/>
+                      <a:r>
+                        <a:rPr lang="ko-KR" altLang="en-US" sz="1100">
+                          <a:solidFill>
+                            <a:schemeClr val="bg1"/>
+                          </a:solidFill>
+                          <a:latin typeface="+mn-ea"/>
+                          <a:ea typeface="+mn-ea"/>
+                        </a:rPr>
+                        <a:t>기능</a:t>
+                      </a:r>
+                      <a:endParaRPr lang="ko-KR" altLang="en-US" sz="1100" dirty="0">
+                        <a:solidFill>
+                          <a:schemeClr val="bg1"/>
+                        </a:solidFill>
+                        <a:latin typeface="+mn-ea"/>
+                        <a:ea typeface="+mn-ea"/>
+                      </a:endParaRPr>
+                    </a:p>
+                  </a:txBody>
+                  <a:tcPr anchor="ctr">
+                    <a:lnL w="19050" cap="flat" cmpd="sng" algn="ctr">
+                      <a:solidFill>
+                        <a:schemeClr val="bg1"/>
+                      </a:solidFill>
+                      <a:prstDash val="solid"/>
+                      <a:round/>
+                      <a:headEnd type="none" w="med" len="med"/>
+                      <a:tailEnd type="none" w="med" len="med"/>
+                    </a:lnL>
+                    <a:lnR w="19050" cap="flat" cmpd="sng" algn="ctr">
+                      <a:solidFill>
+                        <a:schemeClr val="bg1"/>
+                      </a:solidFill>
+                      <a:prstDash val="solid"/>
+                      <a:round/>
+                      <a:headEnd type="none" w="med" len="med"/>
+                      <a:tailEnd type="none" w="med" len="med"/>
+                    </a:lnR>
+                    <a:lnB>
+                      <a:noFill/>
+                    </a:lnB>
+                    <a:solidFill>
+                      <a:srgbClr val="FFC000"/>
+                    </a:solidFill>
+                  </a:tcPr>
+                </a:tc>
+                <a:extLst>
+                  <a:ext uri="{0D108BD9-81ED-4DB2-BD59-A6C34878D82A}">
+                    <a16:rowId xmlns:a16="http://schemas.microsoft.com/office/drawing/2014/main" val="3284227695"/>
+                  </a:ext>
+                </a:extLst>
+              </a:tr>
+              <a:tr h="298955">
+                <a:tc>
+                  <a:txBody>
+                    <a:bodyPr/>
+                    <a:lstStyle/>
+                    <a:p>
+                      <a:pPr algn="ctr" fontAlgn="ctr"/>
+                      <a:r>
+                        <a:rPr lang="en-US" altLang="ko-KR" sz="1100" b="1" i="0" u="none" strike="noStrike">
+                          <a:solidFill>
+                            <a:srgbClr val="3F3F3F"/>
+                          </a:solidFill>
+                          <a:effectLst/>
+                          <a:latin typeface="+mn-ea"/>
+                          <a:ea typeface="+mn-ea"/>
+                        </a:rPr>
+                        <a:t>1</a:t>
+                      </a:r>
+                    </a:p>
+                  </a:txBody>
+                  <a:tcPr marL="9525" marR="9525" marT="9525" marB="0" anchor="ctr">
+                    <a:lnL>
+                      <a:noFill/>
+                    </a:lnL>
+                    <a:lnR>
+                      <a:noFill/>
+                    </a:lnR>
+                    <a:lnT>
+                      <a:noFill/>
+                    </a:lnT>
+                    <a:lnB w="6350" cap="flat" cmpd="sng" algn="ctr">
+                      <a:solidFill>
+                        <a:schemeClr val="bg1">
+                          <a:lumMod val="85000"/>
+                        </a:schemeClr>
+                      </a:solidFill>
+                      <a:prstDash val="solid"/>
+                      <a:round/>
+                      <a:headEnd type="none" w="med" len="med"/>
+                      <a:tailEnd type="none" w="med" len="med"/>
+                    </a:lnB>
+                    <a:lnTlToBr w="12700" cmpd="sng">
+                      <a:noFill/>
+                      <a:prstDash val="solid"/>
+                    </a:lnTlToBr>
+                    <a:lnBlToTr w="12700" cmpd="sng">
+                      <a:noFill/>
+                      <a:prstDash val="solid"/>
+                    </a:lnBlToTr>
+                  </a:tcPr>
+                </a:tc>
+                <a:tc>
+                  <a:txBody>
+                    <a:bodyPr/>
+                    <a:lstStyle/>
+                    <a:p>
+                      <a:pPr algn="ctr" fontAlgn="ctr"/>
+                      <a:r>
+                        <a:rPr lang="ko-KR" altLang="en-US" sz="1100" b="1" i="0" u="none" strike="noStrike">
+                          <a:solidFill>
+                            <a:srgbClr val="3F3F3F"/>
+                          </a:solidFill>
+                          <a:effectLst/>
+                          <a:latin typeface="+mn-ea"/>
+                          <a:ea typeface="+mn-ea"/>
+                        </a:rPr>
+                        <a:t>인터페이스</a:t>
+                      </a:r>
+                      <a:endParaRPr lang="en-US" sz="1100" b="1" i="0" u="none" strike="noStrike">
+                        <a:solidFill>
+                          <a:srgbClr val="3F3F3F"/>
+                        </a:solidFill>
+                        <a:effectLst/>
+                        <a:latin typeface="+mn-ea"/>
+                        <a:ea typeface="+mn-ea"/>
+                      </a:endParaRPr>
+                    </a:p>
+                  </a:txBody>
+                  <a:tcPr marL="9525" marR="9525" marT="9525" marB="0" anchor="ctr">
+                    <a:lnL>
+                      <a:noFill/>
+                    </a:lnL>
+                    <a:lnR>
+                      <a:noFill/>
+                    </a:lnR>
+                    <a:lnT>
+                      <a:noFill/>
+                    </a:lnT>
+                    <a:lnB w="6350" cap="flat" cmpd="sng" algn="ctr">
+                      <a:solidFill>
+                        <a:schemeClr val="bg1">
+                          <a:lumMod val="85000"/>
+                        </a:schemeClr>
+                      </a:solidFill>
+                      <a:prstDash val="solid"/>
+                      <a:round/>
+                      <a:headEnd type="none" w="med" len="med"/>
+                      <a:tailEnd type="none" w="med" len="med"/>
+                    </a:lnB>
+                    <a:lnTlToBr w="12700" cmpd="sng">
+                      <a:noFill/>
+                      <a:prstDash val="solid"/>
+                    </a:lnTlToBr>
+                    <a:lnBlToTr w="12700" cmpd="sng">
+                      <a:noFill/>
+                      <a:prstDash val="solid"/>
+                    </a:lnBlToTr>
+                  </a:tcPr>
+                </a:tc>
+                <a:tc>
+                  <a:txBody>
+                    <a:bodyPr/>
+                    <a:lstStyle/>
+                    <a:p>
+                      <a:pPr marL="0" marR="0" lvl="0" indent="0" algn="l" defTabSz="914400" eaLnBrk="1" fontAlgn="ctr" latinLnBrk="0" hangingPunct="1">
+                        <a:lnSpc>
+                          <a:spcPct val="100000"/>
+                        </a:lnSpc>
+                        <a:spcBef>
+                          <a:spcPts val="0"/>
+                        </a:spcBef>
+                        <a:spcAft>
+                          <a:spcPts val="0"/>
+                        </a:spcAft>
+                        <a:buClrTx/>
+                        <a:buSzTx/>
+                        <a:buFontTx/>
+                        <a:buNone/>
+                        <a:tabLst/>
+                        <a:defRPr/>
+                      </a:pPr>
+                      <a:r>
+                        <a:rPr lang="ko-KR" altLang="en-US" sz="1100" b="1" i="0" u="none" strike="noStrike">
+                          <a:solidFill>
+                            <a:srgbClr val="3F3F3F"/>
+                          </a:solidFill>
+                          <a:effectLst/>
+                          <a:latin typeface="+mn-ea"/>
+                          <a:ea typeface="+mn-ea"/>
+                        </a:rPr>
+                        <a:t>오라클의 시나리오와 스케줄정보</a:t>
+                      </a:r>
+                      <a:r>
+                        <a:rPr lang="en-US" altLang="ko-KR" sz="1100" b="1" i="0" u="none" strike="noStrike">
+                          <a:solidFill>
+                            <a:srgbClr val="3F3F3F"/>
+                          </a:solidFill>
+                          <a:effectLst/>
+                          <a:latin typeface="+mn-ea"/>
+                          <a:ea typeface="+mn-ea"/>
+                        </a:rPr>
+                        <a:t>, Postgre</a:t>
+                      </a:r>
+                      <a:r>
+                        <a:rPr lang="en-US" altLang="ko-KR" sz="1100" b="1" i="0" u="none" strike="noStrike" baseline="0">
+                          <a:solidFill>
+                            <a:srgbClr val="3F3F3F"/>
+                          </a:solidFill>
+                          <a:effectLst/>
+                          <a:latin typeface="+mn-ea"/>
+                          <a:ea typeface="+mn-ea"/>
+                        </a:rPr>
+                        <a:t> GIS, Spark </a:t>
+                      </a:r>
+                      <a:r>
+                        <a:rPr lang="ko-KR" altLang="en-US" sz="1100" b="1" i="0" u="none" strike="noStrike" baseline="0">
+                          <a:solidFill>
+                            <a:srgbClr val="3F3F3F"/>
+                          </a:solidFill>
+                          <a:effectLst/>
+                          <a:latin typeface="+mn-ea"/>
+                          <a:ea typeface="+mn-ea"/>
+                        </a:rPr>
+                        <a:t>간에 배치 흐름에 따라 각각의 모듈을 호출해야 한다</a:t>
+                      </a:r>
+                      <a:r>
+                        <a:rPr lang="en-US" altLang="ko-KR" sz="1100" b="1" i="0" u="none" strike="noStrike" baseline="0">
+                          <a:solidFill>
+                            <a:srgbClr val="3F3F3F"/>
+                          </a:solidFill>
+                          <a:effectLst/>
+                          <a:latin typeface="+mn-ea"/>
+                          <a:ea typeface="+mn-ea"/>
+                        </a:rPr>
+                        <a:t>. </a:t>
+                      </a:r>
+                      <a:r>
+                        <a:rPr lang="ko-KR" altLang="en-US" sz="1100" b="1" i="0" u="none" strike="noStrike" baseline="0">
+                          <a:solidFill>
+                            <a:srgbClr val="3F3F3F"/>
+                          </a:solidFill>
+                          <a:effectLst/>
+                          <a:latin typeface="+mn-ea"/>
+                          <a:ea typeface="+mn-ea"/>
+                        </a:rPr>
+                        <a:t>모듈수행 필요한 정보를 전달한다</a:t>
+                      </a:r>
+                      <a:endParaRPr lang="en-US" sz="1100" b="1" i="0" u="none" strike="noStrike">
+                        <a:solidFill>
+                          <a:srgbClr val="3F3F3F"/>
+                        </a:solidFill>
+                        <a:effectLst/>
+                        <a:latin typeface="+mn-ea"/>
+                        <a:ea typeface="+mn-ea"/>
+                      </a:endParaRPr>
+                    </a:p>
+                  </a:txBody>
+                  <a:tcPr marL="9525" marR="9525" marT="9525" marB="0" anchor="ctr">
+                    <a:lnL>
+                      <a:noFill/>
+                    </a:lnL>
+                    <a:lnR>
+                      <a:noFill/>
+                    </a:lnR>
+                    <a:lnT>
+                      <a:noFill/>
+                    </a:lnT>
+                    <a:lnB w="6350" cap="flat" cmpd="sng" algn="ctr">
+                      <a:solidFill>
+                        <a:schemeClr val="bg1">
+                          <a:lumMod val="85000"/>
+                        </a:schemeClr>
+                      </a:solidFill>
+                      <a:prstDash val="solid"/>
+                      <a:round/>
+                      <a:headEnd type="none" w="med" len="med"/>
+                      <a:tailEnd type="none" w="med" len="med"/>
+                    </a:lnB>
+                    <a:lnTlToBr w="12700" cmpd="sng">
+                      <a:noFill/>
+                      <a:prstDash val="solid"/>
+                    </a:lnTlToBr>
+                    <a:lnBlToTr w="12700" cmpd="sng">
+                      <a:noFill/>
+                      <a:prstDash val="solid"/>
+                    </a:lnBlToTr>
+                  </a:tcPr>
+                </a:tc>
+                <a:extLst>
+                  <a:ext uri="{0D108BD9-81ED-4DB2-BD59-A6C34878D82A}">
+                    <a16:rowId xmlns:a16="http://schemas.microsoft.com/office/drawing/2014/main" val="3886786603"/>
+                  </a:ext>
+                </a:extLst>
+              </a:tr>
+              <a:tr h="298955">
+                <a:tc>
+                  <a:txBody>
+                    <a:bodyPr/>
+                    <a:lstStyle/>
+                    <a:p>
+                      <a:pPr algn="ctr" fontAlgn="ctr"/>
+                      <a:r>
+                        <a:rPr lang="en-US" altLang="ko-KR" sz="1100" b="1" i="0" u="none" strike="noStrike">
+                          <a:solidFill>
+                            <a:srgbClr val="3F3F3F"/>
+                          </a:solidFill>
+                          <a:effectLst/>
+                          <a:latin typeface="+mn-ea"/>
+                          <a:ea typeface="+mn-ea"/>
+                        </a:rPr>
+                        <a:t>2</a:t>
+                      </a:r>
+                    </a:p>
+                  </a:txBody>
+                  <a:tcPr marL="9525" marR="9525" marT="9525" marB="0" anchor="ctr">
+                    <a:lnL>
+                      <a:noFill/>
+                    </a:lnL>
+                    <a:lnR>
+                      <a:noFill/>
+                    </a:lnR>
+                    <a:lnT w="6350" cap="flat" cmpd="sng" algn="ctr">
+                      <a:solidFill>
+                        <a:schemeClr val="bg1">
+                          <a:lumMod val="85000"/>
+                        </a:schemeClr>
+                      </a:solidFill>
+                      <a:prstDash val="solid"/>
+                      <a:round/>
+                      <a:headEnd type="none" w="med" len="med"/>
+                      <a:tailEnd type="none" w="med" len="med"/>
+                    </a:lnT>
+                    <a:lnB w="6350" cap="flat" cmpd="sng" algn="ctr">
+                      <a:solidFill>
+                        <a:schemeClr val="bg1">
+                          <a:lumMod val="85000"/>
+                        </a:schemeClr>
+                      </a:solidFill>
+                      <a:prstDash val="solid"/>
+                      <a:round/>
+                      <a:headEnd type="none" w="med" len="med"/>
+                      <a:tailEnd type="none" w="med" len="med"/>
+                    </a:lnB>
+                    <a:lnTlToBr w="12700" cmpd="sng">
+                      <a:noFill/>
+                      <a:prstDash val="solid"/>
+                    </a:lnTlToBr>
+                    <a:lnBlToTr w="12700" cmpd="sng">
+                      <a:noFill/>
+                      <a:prstDash val="solid"/>
+                    </a:lnBlToTr>
+                  </a:tcPr>
+                </a:tc>
+                <a:tc>
+                  <a:txBody>
+                    <a:bodyPr/>
+                    <a:lstStyle/>
+                    <a:p>
+                      <a:pPr algn="ctr" fontAlgn="ctr"/>
+                      <a:r>
+                        <a:rPr lang="ko-KR" altLang="en-US" sz="1100" b="1" i="0" u="none" strike="noStrike">
+                          <a:solidFill>
+                            <a:srgbClr val="3F3F3F"/>
+                          </a:solidFill>
+                          <a:effectLst/>
+                          <a:latin typeface="+mn-ea"/>
+                          <a:ea typeface="+mn-ea"/>
+                        </a:rPr>
+                        <a:t>자원배분</a:t>
+                      </a:r>
+                      <a:endParaRPr lang="en-US" sz="1100" b="1" i="0" u="none" strike="noStrike">
+                        <a:solidFill>
+                          <a:srgbClr val="3F3F3F"/>
+                        </a:solidFill>
+                        <a:effectLst/>
+                        <a:latin typeface="+mn-ea"/>
+                        <a:ea typeface="+mn-ea"/>
+                      </a:endParaRPr>
+                    </a:p>
+                  </a:txBody>
+                  <a:tcPr marL="9525" marR="9525" marT="9525" marB="0" anchor="ctr">
+                    <a:lnL>
+                      <a:noFill/>
+                    </a:lnL>
+                    <a:lnR>
+                      <a:noFill/>
+                    </a:lnR>
+                    <a:lnT w="6350" cap="flat" cmpd="sng" algn="ctr">
+                      <a:solidFill>
+                        <a:schemeClr val="bg1">
+                          <a:lumMod val="85000"/>
+                        </a:schemeClr>
+                      </a:solidFill>
+                      <a:prstDash val="solid"/>
+                      <a:round/>
+                      <a:headEnd type="none" w="med" len="med"/>
+                      <a:tailEnd type="none" w="med" len="med"/>
+                    </a:lnT>
+                    <a:lnB w="6350" cap="flat" cmpd="sng" algn="ctr">
+                      <a:solidFill>
+                        <a:schemeClr val="bg1">
+                          <a:lumMod val="85000"/>
+                        </a:schemeClr>
+                      </a:solidFill>
+                      <a:prstDash val="solid"/>
+                      <a:round/>
+                      <a:headEnd type="none" w="med" len="med"/>
+                      <a:tailEnd type="none" w="med" len="med"/>
+                    </a:lnB>
+                    <a:lnTlToBr w="12700" cmpd="sng">
+                      <a:noFill/>
+                      <a:prstDash val="solid"/>
+                    </a:lnTlToBr>
+                    <a:lnBlToTr w="12700" cmpd="sng">
+                      <a:noFill/>
+                      <a:prstDash val="solid"/>
+                    </a:lnBlToTr>
+                  </a:tcPr>
+                </a:tc>
+                <a:tc>
+                  <a:txBody>
+                    <a:bodyPr/>
+                    <a:lstStyle/>
+                    <a:p>
+                      <a:pPr algn="l" fontAlgn="ctr"/>
+                      <a:r>
+                        <a:rPr lang="ko-KR" altLang="en-US" sz="1100" b="1" i="0" u="none" strike="noStrike">
+                          <a:solidFill>
+                            <a:srgbClr val="3F3F3F"/>
+                          </a:solidFill>
+                          <a:effectLst/>
+                          <a:latin typeface="+mn-ea"/>
+                          <a:ea typeface="+mn-ea"/>
+                        </a:rPr>
+                        <a:t>시나리오별로 수행 정책을 수립하여 무거운 잡과 가벼운 잡을 적절히 수행시킬수 있는 구조로 설계한다</a:t>
+                      </a:r>
+                      <a:r>
+                        <a:rPr lang="en-US" altLang="ko-KR" sz="1100" b="1" i="0" u="none" strike="noStrike">
+                          <a:solidFill>
+                            <a:srgbClr val="3F3F3F"/>
+                          </a:solidFill>
+                          <a:effectLst/>
+                          <a:latin typeface="+mn-ea"/>
+                          <a:ea typeface="+mn-ea"/>
+                        </a:rPr>
+                        <a:t>.</a:t>
+                      </a:r>
+                    </a:p>
+                    <a:p>
+                      <a:pPr algn="l" fontAlgn="ctr"/>
+                      <a:endParaRPr lang="en-US" sz="1100" b="1" i="0" u="none" strike="noStrike">
+                        <a:solidFill>
+                          <a:srgbClr val="3F3F3F"/>
+                        </a:solidFill>
+                        <a:effectLst/>
+                        <a:latin typeface="+mn-ea"/>
+                        <a:ea typeface="+mn-ea"/>
+                      </a:endParaRPr>
+                    </a:p>
+                  </a:txBody>
+                  <a:tcPr marL="9525" marR="9525" marT="9525" marB="0" anchor="ctr">
+                    <a:lnL>
+                      <a:noFill/>
+                    </a:lnL>
+                    <a:lnR>
+                      <a:noFill/>
+                    </a:lnR>
+                    <a:lnT w="6350" cap="flat" cmpd="sng" algn="ctr">
+                      <a:solidFill>
+                        <a:schemeClr val="bg1">
+                          <a:lumMod val="85000"/>
+                        </a:schemeClr>
+                      </a:solidFill>
+                      <a:prstDash val="solid"/>
+                      <a:round/>
+                      <a:headEnd type="none" w="med" len="med"/>
+                      <a:tailEnd type="none" w="med" len="med"/>
+                    </a:lnT>
+                    <a:lnB w="6350" cap="flat" cmpd="sng" algn="ctr">
+                      <a:solidFill>
+                        <a:schemeClr val="bg1">
+                          <a:lumMod val="85000"/>
+                        </a:schemeClr>
+                      </a:solidFill>
+                      <a:prstDash val="solid"/>
+                      <a:round/>
+                      <a:headEnd type="none" w="med" len="med"/>
+                      <a:tailEnd type="none" w="med" len="med"/>
+                    </a:lnB>
+                    <a:lnTlToBr w="12700" cmpd="sng">
+                      <a:noFill/>
+                      <a:prstDash val="solid"/>
+                    </a:lnTlToBr>
+                    <a:lnBlToTr w="12700" cmpd="sng">
+                      <a:noFill/>
+                      <a:prstDash val="solid"/>
+                    </a:lnBlToTr>
+                  </a:tcPr>
+                </a:tc>
+                <a:extLst>
+                  <a:ext uri="{0D108BD9-81ED-4DB2-BD59-A6C34878D82A}">
+                    <a16:rowId xmlns:a16="http://schemas.microsoft.com/office/drawing/2014/main" val="2012833175"/>
+                  </a:ext>
+                </a:extLst>
+              </a:tr>
+              <a:tr h="298955">
+                <a:tc>
+                  <a:txBody>
+                    <a:bodyPr/>
+                    <a:lstStyle/>
+                    <a:p>
+                      <a:pPr algn="ctr" fontAlgn="ctr"/>
+                      <a:r>
+                        <a:rPr lang="en-US" altLang="ko-KR" sz="1100" b="1" i="0" u="none" strike="noStrike">
+                          <a:solidFill>
+                            <a:srgbClr val="3F3F3F"/>
+                          </a:solidFill>
+                          <a:effectLst/>
+                          <a:latin typeface="+mn-ea"/>
+                          <a:ea typeface="+mn-ea"/>
+                        </a:rPr>
+                        <a:t>3</a:t>
+                      </a:r>
+                    </a:p>
+                  </a:txBody>
+                  <a:tcPr marL="9525" marR="9525" marT="9525" marB="0" anchor="ctr">
+                    <a:lnL>
+                      <a:noFill/>
+                    </a:lnL>
+                    <a:lnR>
+                      <a:noFill/>
+                    </a:lnR>
+                    <a:lnT w="6350" cap="flat" cmpd="sng" algn="ctr">
+                      <a:solidFill>
+                        <a:schemeClr val="bg1">
+                          <a:lumMod val="85000"/>
+                        </a:schemeClr>
+                      </a:solidFill>
+                      <a:prstDash val="solid"/>
+                      <a:round/>
+                      <a:headEnd type="none" w="med" len="med"/>
+                      <a:tailEnd type="none" w="med" len="med"/>
+                    </a:lnT>
+                    <a:lnB w="6350" cap="flat" cmpd="sng" algn="ctr">
+                      <a:solidFill>
+                        <a:schemeClr val="bg1">
+                          <a:lumMod val="85000"/>
+                        </a:schemeClr>
+                      </a:solidFill>
+                      <a:prstDash val="solid"/>
+                      <a:round/>
+                      <a:headEnd type="none" w="med" len="med"/>
+                      <a:tailEnd type="none" w="med" len="med"/>
+                    </a:lnB>
+                    <a:lnTlToBr w="12700" cmpd="sng">
+                      <a:noFill/>
+                      <a:prstDash val="solid"/>
+                    </a:lnTlToBr>
+                    <a:lnBlToTr w="12700" cmpd="sng">
+                      <a:noFill/>
+                      <a:prstDash val="solid"/>
+                    </a:lnBlToTr>
+                  </a:tcPr>
+                </a:tc>
+                <a:tc>
+                  <a:txBody>
+                    <a:bodyPr/>
+                    <a:lstStyle/>
+                    <a:p>
+                      <a:pPr marL="0" marR="0" lvl="0" indent="0" algn="ctr" defTabSz="914400" eaLnBrk="1" fontAlgn="ctr" latinLnBrk="0" hangingPunct="1">
+                        <a:lnSpc>
+                          <a:spcPct val="100000"/>
+                        </a:lnSpc>
+                        <a:spcBef>
+                          <a:spcPts val="0"/>
+                        </a:spcBef>
+                        <a:spcAft>
+                          <a:spcPts val="0"/>
+                        </a:spcAft>
+                        <a:buClrTx/>
+                        <a:buSzTx/>
+                        <a:buFontTx/>
+                        <a:buNone/>
+                        <a:tabLst/>
+                        <a:defRPr/>
+                      </a:pPr>
+                      <a:r>
+                        <a:rPr lang="ko-KR" altLang="en-US" sz="1100" b="1" i="0" u="none" strike="noStrike">
+                          <a:solidFill>
+                            <a:srgbClr val="3F3F3F"/>
+                          </a:solidFill>
+                          <a:effectLst/>
+                          <a:latin typeface="+mn-ea"/>
+                          <a:ea typeface="+mn-ea"/>
+                        </a:rPr>
+                        <a:t>자원배분</a:t>
+                      </a:r>
+                      <a:endParaRPr lang="en-US" sz="1100" b="1" i="0" u="none" strike="noStrike">
+                        <a:solidFill>
+                          <a:srgbClr val="3F3F3F"/>
+                        </a:solidFill>
+                        <a:effectLst/>
+                        <a:latin typeface="+mn-ea"/>
+                        <a:ea typeface="+mn-ea"/>
+                      </a:endParaRPr>
+                    </a:p>
+                  </a:txBody>
+                  <a:tcPr marL="9525" marR="9525" marT="9525" marB="0" anchor="ctr">
+                    <a:lnL>
+                      <a:noFill/>
+                    </a:lnL>
+                    <a:lnR>
+                      <a:noFill/>
+                    </a:lnR>
+                    <a:lnT w="6350" cap="flat" cmpd="sng" algn="ctr">
+                      <a:solidFill>
+                        <a:schemeClr val="bg1">
+                          <a:lumMod val="85000"/>
+                        </a:schemeClr>
+                      </a:solidFill>
+                      <a:prstDash val="solid"/>
+                      <a:round/>
+                      <a:headEnd type="none" w="med" len="med"/>
+                      <a:tailEnd type="none" w="med" len="med"/>
+                    </a:lnT>
+                    <a:lnB w="6350" cap="flat" cmpd="sng" algn="ctr">
+                      <a:solidFill>
+                        <a:schemeClr val="bg1">
+                          <a:lumMod val="85000"/>
+                        </a:schemeClr>
+                      </a:solidFill>
+                      <a:prstDash val="solid"/>
+                      <a:round/>
+                      <a:headEnd type="none" w="med" len="med"/>
+                      <a:tailEnd type="none" w="med" len="med"/>
+                    </a:lnB>
+                    <a:lnTlToBr w="12700" cmpd="sng">
+                      <a:noFill/>
+                      <a:prstDash val="solid"/>
+                    </a:lnTlToBr>
+                    <a:lnBlToTr w="12700" cmpd="sng">
+                      <a:noFill/>
+                      <a:prstDash val="solid"/>
+                    </a:lnBlToTr>
+                  </a:tcPr>
+                </a:tc>
+                <a:tc>
+                  <a:txBody>
+                    <a:bodyPr/>
+                    <a:lstStyle/>
+                    <a:p>
+                      <a:pPr algn="l" fontAlgn="ctr"/>
+                      <a:r>
+                        <a:rPr lang="ko-KR" altLang="en-US" sz="1100" b="1" i="0" u="none" strike="noStrike">
+                          <a:solidFill>
+                            <a:srgbClr val="3F3F3F"/>
+                          </a:solidFill>
+                          <a:effectLst/>
+                          <a:latin typeface="+mn-ea"/>
+                          <a:ea typeface="+mn-ea"/>
+                        </a:rPr>
+                        <a:t>스팍잡의 경우 분리되어 있는 </a:t>
+                      </a:r>
+                      <a:r>
+                        <a:rPr lang="en-US" altLang="ko-KR" sz="1100" b="1" i="0" u="none" strike="noStrike">
+                          <a:solidFill>
+                            <a:srgbClr val="3F3F3F"/>
+                          </a:solidFill>
+                          <a:effectLst/>
+                          <a:latin typeface="+mn-ea"/>
+                          <a:ea typeface="+mn-ea"/>
+                        </a:rPr>
+                        <a:t>queue</a:t>
+                      </a:r>
+                      <a:r>
+                        <a:rPr lang="ko-KR" altLang="en-US" sz="1100" b="1" i="0" u="none" strike="noStrike" baseline="0">
+                          <a:solidFill>
+                            <a:srgbClr val="3F3F3F"/>
+                          </a:solidFill>
+                          <a:effectLst/>
+                          <a:latin typeface="+mn-ea"/>
+                          <a:ea typeface="+mn-ea"/>
+                        </a:rPr>
+                        <a:t> 중 적절한 곳으로 잡이 실행될수 있는 구조를 설계한다</a:t>
+                      </a:r>
+                      <a:r>
+                        <a:rPr lang="en-US" altLang="ko-KR" sz="1100" b="1" i="0" u="none" strike="noStrike" baseline="0">
+                          <a:solidFill>
+                            <a:srgbClr val="3F3F3F"/>
+                          </a:solidFill>
+                          <a:effectLst/>
+                          <a:latin typeface="+mn-ea"/>
+                          <a:ea typeface="+mn-ea"/>
+                        </a:rPr>
+                        <a:t>.</a:t>
+                      </a:r>
+                      <a:r>
+                        <a:rPr lang="ko-KR" altLang="en-US" sz="1100" b="1" i="0" u="none" strike="noStrike" baseline="0">
+                          <a:solidFill>
+                            <a:srgbClr val="3F3F3F"/>
+                          </a:solidFill>
+                          <a:effectLst/>
+                          <a:latin typeface="+mn-ea"/>
+                          <a:ea typeface="+mn-ea"/>
+                        </a:rPr>
+                        <a:t> </a:t>
+                      </a:r>
+                      <a:endParaRPr lang="en-US" sz="1100" b="1" i="0" u="none" strike="noStrike">
+                        <a:solidFill>
+                          <a:srgbClr val="3F3F3F"/>
+                        </a:solidFill>
+                        <a:effectLst/>
+                        <a:latin typeface="+mn-ea"/>
+                        <a:ea typeface="+mn-ea"/>
+                      </a:endParaRPr>
+                    </a:p>
+                  </a:txBody>
+                  <a:tcPr marL="9525" marR="9525" marT="9525" marB="0" anchor="ctr">
+                    <a:lnL>
+                      <a:noFill/>
+                    </a:lnL>
+                    <a:lnR>
+                      <a:noFill/>
+                    </a:lnR>
+                    <a:lnT w="6350" cap="flat" cmpd="sng" algn="ctr">
+                      <a:solidFill>
+                        <a:schemeClr val="bg1">
+                          <a:lumMod val="85000"/>
+                        </a:schemeClr>
+                      </a:solidFill>
+                      <a:prstDash val="solid"/>
+                      <a:round/>
+                      <a:headEnd type="none" w="med" len="med"/>
+                      <a:tailEnd type="none" w="med" len="med"/>
+                    </a:lnT>
+                    <a:lnB w="6350" cap="flat" cmpd="sng" algn="ctr">
+                      <a:solidFill>
+                        <a:schemeClr val="bg1">
+                          <a:lumMod val="85000"/>
+                        </a:schemeClr>
+                      </a:solidFill>
+                      <a:prstDash val="solid"/>
+                      <a:round/>
+                      <a:headEnd type="none" w="med" len="med"/>
+                      <a:tailEnd type="none" w="med" len="med"/>
+                    </a:lnB>
+                    <a:lnTlToBr w="12700" cmpd="sng">
+                      <a:noFill/>
+                      <a:prstDash val="solid"/>
+                    </a:lnTlToBr>
+                    <a:lnBlToTr w="12700" cmpd="sng">
+                      <a:noFill/>
+                      <a:prstDash val="solid"/>
+                    </a:lnBlToTr>
+                  </a:tcPr>
+                </a:tc>
+                <a:extLst>
+                  <a:ext uri="{0D108BD9-81ED-4DB2-BD59-A6C34878D82A}">
+                    <a16:rowId xmlns:a16="http://schemas.microsoft.com/office/drawing/2014/main" val="279712677"/>
+                  </a:ext>
+                </a:extLst>
+              </a:tr>
+              <a:tr h="298955">
+                <a:tc>
+                  <a:txBody>
+                    <a:bodyPr/>
+                    <a:lstStyle/>
+                    <a:p>
+                      <a:pPr algn="ctr" fontAlgn="ctr"/>
+                      <a:r>
+                        <a:rPr lang="en-US" altLang="ko-KR" sz="1100" b="1" i="0" u="none" strike="noStrike">
+                          <a:solidFill>
+                            <a:srgbClr val="3F3F3F"/>
+                          </a:solidFill>
+                          <a:effectLst/>
+                          <a:latin typeface="+mn-ea"/>
+                          <a:ea typeface="+mn-ea"/>
+                        </a:rPr>
+                        <a:t>4</a:t>
+                      </a:r>
+                    </a:p>
+                  </a:txBody>
+                  <a:tcPr marL="9525" marR="9525" marT="9525" marB="0" anchor="ctr">
+                    <a:lnL>
+                      <a:noFill/>
+                    </a:lnL>
+                    <a:lnR>
+                      <a:noFill/>
+                    </a:lnR>
+                    <a:lnT w="6350" cap="flat" cmpd="sng" algn="ctr">
+                      <a:solidFill>
+                        <a:schemeClr val="bg1">
+                          <a:lumMod val="85000"/>
+                        </a:schemeClr>
+                      </a:solidFill>
+                      <a:prstDash val="solid"/>
+                      <a:round/>
+                      <a:headEnd type="none" w="med" len="med"/>
+                      <a:tailEnd type="none" w="med" len="med"/>
+                    </a:lnT>
+                    <a:lnB w="6350" cap="flat" cmpd="sng" algn="ctr">
+                      <a:solidFill>
+                        <a:schemeClr val="bg1">
+                          <a:lumMod val="85000"/>
+                        </a:schemeClr>
+                      </a:solidFill>
+                      <a:prstDash val="solid"/>
+                      <a:round/>
+                      <a:headEnd type="none" w="med" len="med"/>
+                      <a:tailEnd type="none" w="med" len="med"/>
+                    </a:lnB>
+                    <a:lnTlToBr w="12700" cmpd="sng">
+                      <a:noFill/>
+                      <a:prstDash val="solid"/>
+                    </a:lnTlToBr>
+                    <a:lnBlToTr w="12700" cmpd="sng">
+                      <a:noFill/>
+                      <a:prstDash val="solid"/>
+                    </a:lnBlToTr>
+                  </a:tcPr>
+                </a:tc>
+                <a:tc>
+                  <a:txBody>
+                    <a:bodyPr/>
+                    <a:lstStyle/>
+                    <a:p>
+                      <a:pPr algn="ctr" fontAlgn="ctr"/>
+                      <a:r>
+                        <a:rPr lang="ko-KR" altLang="en-US" sz="1100" b="1" i="0" u="none" strike="noStrike">
+                          <a:solidFill>
+                            <a:srgbClr val="3F3F3F"/>
+                          </a:solidFill>
+                          <a:effectLst/>
+                          <a:latin typeface="+mn-ea"/>
+                          <a:ea typeface="+mn-ea"/>
+                        </a:rPr>
+                        <a:t>로그</a:t>
+                      </a:r>
+                      <a:endParaRPr lang="en-US" sz="1100" b="1" i="0" u="none" strike="noStrike">
+                        <a:solidFill>
+                          <a:srgbClr val="3F3F3F"/>
+                        </a:solidFill>
+                        <a:effectLst/>
+                        <a:latin typeface="+mn-ea"/>
+                        <a:ea typeface="+mn-ea"/>
+                      </a:endParaRPr>
+                    </a:p>
+                  </a:txBody>
+                  <a:tcPr marL="9525" marR="9525" marT="9525" marB="0" anchor="ctr">
+                    <a:lnL>
+                      <a:noFill/>
+                    </a:lnL>
+                    <a:lnR>
+                      <a:noFill/>
+                    </a:lnR>
+                    <a:lnT w="6350" cap="flat" cmpd="sng" algn="ctr">
+                      <a:solidFill>
+                        <a:schemeClr val="bg1">
+                          <a:lumMod val="85000"/>
+                        </a:schemeClr>
+                      </a:solidFill>
+                      <a:prstDash val="solid"/>
+                      <a:round/>
+                      <a:headEnd type="none" w="med" len="med"/>
+                      <a:tailEnd type="none" w="med" len="med"/>
+                    </a:lnT>
+                    <a:lnB w="6350" cap="flat" cmpd="sng" algn="ctr">
+                      <a:solidFill>
+                        <a:schemeClr val="bg1">
+                          <a:lumMod val="85000"/>
+                        </a:schemeClr>
+                      </a:solidFill>
+                      <a:prstDash val="solid"/>
+                      <a:round/>
+                      <a:headEnd type="none" w="med" len="med"/>
+                      <a:tailEnd type="none" w="med" len="med"/>
+                    </a:lnB>
+                    <a:lnTlToBr w="12700" cmpd="sng">
+                      <a:noFill/>
+                      <a:prstDash val="solid"/>
+                    </a:lnTlToBr>
+                    <a:lnBlToTr w="12700" cmpd="sng">
+                      <a:noFill/>
+                      <a:prstDash val="solid"/>
+                    </a:lnBlToTr>
+                  </a:tcPr>
+                </a:tc>
+                <a:tc>
+                  <a:txBody>
+                    <a:bodyPr/>
+                    <a:lstStyle/>
+                    <a:p>
+                      <a:pPr algn="l" fontAlgn="ctr"/>
+                      <a:r>
+                        <a:rPr lang="ko-KR" altLang="en-US" sz="1100" b="1" i="0" u="none" strike="noStrike">
+                          <a:solidFill>
+                            <a:srgbClr val="3F3F3F"/>
+                          </a:solidFill>
+                          <a:effectLst/>
+                          <a:latin typeface="+mn-ea"/>
+                          <a:ea typeface="+mn-ea"/>
+                        </a:rPr>
+                        <a:t>다단계로 잡이 수행되므로 단계별 수행되고 현황을 파악할수 있는 로그 구조를 설계한다</a:t>
+                      </a:r>
+                      <a:r>
+                        <a:rPr lang="en-US" altLang="ko-KR" sz="1100" b="1" i="0" u="none" strike="noStrike">
+                          <a:solidFill>
+                            <a:srgbClr val="3F3F3F"/>
+                          </a:solidFill>
+                          <a:effectLst/>
+                          <a:latin typeface="+mn-ea"/>
+                          <a:ea typeface="+mn-ea"/>
+                        </a:rPr>
+                        <a:t>.</a:t>
+                      </a:r>
+                      <a:endParaRPr lang="en-US" sz="1100" b="1" i="0" u="none" strike="noStrike">
+                        <a:solidFill>
+                          <a:srgbClr val="3F3F3F"/>
+                        </a:solidFill>
+                        <a:effectLst/>
+                        <a:latin typeface="+mn-ea"/>
+                        <a:ea typeface="+mn-ea"/>
+                      </a:endParaRPr>
+                    </a:p>
+                  </a:txBody>
+                  <a:tcPr marL="9525" marR="9525" marT="9525" marB="0" anchor="ctr">
+                    <a:lnL>
+                      <a:noFill/>
+                    </a:lnL>
+                    <a:lnR>
+                      <a:noFill/>
+                    </a:lnR>
+                    <a:lnT w="6350" cap="flat" cmpd="sng" algn="ctr">
+                      <a:solidFill>
+                        <a:schemeClr val="bg1">
+                          <a:lumMod val="85000"/>
+                        </a:schemeClr>
+                      </a:solidFill>
+                      <a:prstDash val="solid"/>
+                      <a:round/>
+                      <a:headEnd type="none" w="med" len="med"/>
+                      <a:tailEnd type="none" w="med" len="med"/>
+                    </a:lnT>
+                    <a:lnB w="6350" cap="flat" cmpd="sng" algn="ctr">
+                      <a:solidFill>
+                        <a:schemeClr val="bg1">
+                          <a:lumMod val="85000"/>
+                        </a:schemeClr>
+                      </a:solidFill>
+                      <a:prstDash val="solid"/>
+                      <a:round/>
+                      <a:headEnd type="none" w="med" len="med"/>
+                      <a:tailEnd type="none" w="med" len="med"/>
+                    </a:lnB>
+                    <a:lnTlToBr w="12700" cmpd="sng">
+                      <a:noFill/>
+                      <a:prstDash val="solid"/>
+                    </a:lnTlToBr>
+                    <a:lnBlToTr w="12700" cmpd="sng">
+                      <a:noFill/>
+                      <a:prstDash val="solid"/>
+                    </a:lnBlToTr>
+                  </a:tcPr>
+                </a:tc>
+                <a:extLst>
+                  <a:ext uri="{0D108BD9-81ED-4DB2-BD59-A6C34878D82A}">
+                    <a16:rowId xmlns:a16="http://schemas.microsoft.com/office/drawing/2014/main" val="1839450903"/>
+                  </a:ext>
+                </a:extLst>
+              </a:tr>
+              <a:tr h="298955">
+                <a:tc>
+                  <a:txBody>
+                    <a:bodyPr/>
+                    <a:lstStyle/>
+                    <a:p>
+                      <a:pPr algn="ctr" fontAlgn="ctr"/>
+                      <a:r>
+                        <a:rPr lang="en-US" altLang="ko-KR" sz="1100" b="1" i="0" u="none" strike="noStrike">
+                          <a:solidFill>
+                            <a:srgbClr val="3F3F3F"/>
+                          </a:solidFill>
+                          <a:effectLst/>
+                          <a:latin typeface="+mn-ea"/>
+                          <a:ea typeface="+mn-ea"/>
+                        </a:rPr>
+                        <a:t>5</a:t>
+                      </a:r>
+                    </a:p>
+                  </a:txBody>
+                  <a:tcPr marL="9525" marR="9525" marT="9525" marB="0" anchor="ctr">
+                    <a:lnL>
+                      <a:noFill/>
+                    </a:lnL>
+                    <a:lnR>
+                      <a:noFill/>
+                    </a:lnR>
+                    <a:lnT w="6350" cap="flat" cmpd="sng" algn="ctr">
+                      <a:solidFill>
+                        <a:schemeClr val="bg1">
+                          <a:lumMod val="85000"/>
+                        </a:schemeClr>
+                      </a:solidFill>
+                      <a:prstDash val="solid"/>
+                      <a:round/>
+                      <a:headEnd type="none" w="med" len="med"/>
+                      <a:tailEnd type="none" w="med" len="med"/>
+                    </a:lnT>
+                    <a:lnB w="6350" cap="flat" cmpd="sng" algn="ctr">
+                      <a:solidFill>
+                        <a:schemeClr val="bg1">
+                          <a:lumMod val="85000"/>
+                        </a:schemeClr>
+                      </a:solidFill>
+                      <a:prstDash val="solid"/>
+                      <a:round/>
+                      <a:headEnd type="none" w="med" len="med"/>
+                      <a:tailEnd type="none" w="med" len="med"/>
+                    </a:lnB>
+                    <a:lnTlToBr w="12700" cmpd="sng">
+                      <a:noFill/>
+                      <a:prstDash val="solid"/>
+                    </a:lnTlToBr>
+                    <a:lnBlToTr w="12700" cmpd="sng">
+                      <a:noFill/>
+                      <a:prstDash val="solid"/>
+                    </a:lnBlToTr>
+                  </a:tcPr>
+                </a:tc>
+                <a:tc>
+                  <a:txBody>
+                    <a:bodyPr/>
+                    <a:lstStyle/>
+                    <a:p>
+                      <a:pPr algn="ctr" fontAlgn="ctr"/>
+                      <a:endParaRPr lang="en-US" sz="1100" b="1" i="0" u="none" strike="noStrike">
+                        <a:solidFill>
+                          <a:srgbClr val="3F3F3F"/>
+                        </a:solidFill>
+                        <a:effectLst/>
+                        <a:latin typeface="+mn-ea"/>
+                        <a:ea typeface="+mn-ea"/>
+                      </a:endParaRPr>
+                    </a:p>
+                  </a:txBody>
+                  <a:tcPr marL="9525" marR="9525" marT="9525" marB="0" anchor="ctr">
+                    <a:lnL>
+                      <a:noFill/>
+                    </a:lnL>
+                    <a:lnR>
+                      <a:noFill/>
+                    </a:lnR>
+                    <a:lnT w="6350" cap="flat" cmpd="sng" algn="ctr">
+                      <a:solidFill>
+                        <a:schemeClr val="bg1">
+                          <a:lumMod val="85000"/>
+                        </a:schemeClr>
+                      </a:solidFill>
+                      <a:prstDash val="solid"/>
+                      <a:round/>
+                      <a:headEnd type="none" w="med" len="med"/>
+                      <a:tailEnd type="none" w="med" len="med"/>
+                    </a:lnT>
+                    <a:lnB w="6350" cap="flat" cmpd="sng" algn="ctr">
+                      <a:solidFill>
+                        <a:schemeClr val="bg1">
+                          <a:lumMod val="85000"/>
+                        </a:schemeClr>
+                      </a:solidFill>
+                      <a:prstDash val="solid"/>
+                      <a:round/>
+                      <a:headEnd type="none" w="med" len="med"/>
+                      <a:tailEnd type="none" w="med" len="med"/>
+                    </a:lnB>
+                    <a:lnTlToBr w="12700" cmpd="sng">
+                      <a:noFill/>
+                      <a:prstDash val="solid"/>
+                    </a:lnTlToBr>
+                    <a:lnBlToTr w="12700" cmpd="sng">
+                      <a:noFill/>
+                      <a:prstDash val="solid"/>
+                    </a:lnBlToTr>
+                  </a:tcPr>
+                </a:tc>
+                <a:tc>
+                  <a:txBody>
+                    <a:bodyPr/>
+                    <a:lstStyle/>
+                    <a:p>
+                      <a:pPr algn="l" fontAlgn="ctr"/>
+                      <a:endParaRPr lang="en-US" sz="1100" b="1" i="0" u="none" strike="noStrike">
+                        <a:solidFill>
+                          <a:srgbClr val="3F3F3F"/>
+                        </a:solidFill>
+                        <a:effectLst/>
+                        <a:latin typeface="+mn-ea"/>
+                        <a:ea typeface="+mn-ea"/>
+                      </a:endParaRPr>
+                    </a:p>
+                  </a:txBody>
+                  <a:tcPr marL="9525" marR="9525" marT="9525" marB="0" anchor="ctr">
+                    <a:lnL>
+                      <a:noFill/>
+                    </a:lnL>
+                    <a:lnR>
+                      <a:noFill/>
+                    </a:lnR>
+                    <a:lnT w="6350" cap="flat" cmpd="sng" algn="ctr">
+                      <a:solidFill>
+                        <a:schemeClr val="bg1">
+                          <a:lumMod val="85000"/>
+                        </a:schemeClr>
+                      </a:solidFill>
+                      <a:prstDash val="solid"/>
+                      <a:round/>
+                      <a:headEnd type="none" w="med" len="med"/>
+                      <a:tailEnd type="none" w="med" len="med"/>
+                    </a:lnT>
+                    <a:lnB w="6350" cap="flat" cmpd="sng" algn="ctr">
+                      <a:solidFill>
+                        <a:schemeClr val="bg1">
+                          <a:lumMod val="85000"/>
+                        </a:schemeClr>
+                      </a:solidFill>
+                      <a:prstDash val="solid"/>
+                      <a:round/>
+                      <a:headEnd type="none" w="med" len="med"/>
+                      <a:tailEnd type="none" w="med" len="med"/>
+                    </a:lnB>
+                    <a:lnTlToBr w="12700" cmpd="sng">
+                      <a:noFill/>
+                      <a:prstDash val="solid"/>
+                    </a:lnTlToBr>
+                    <a:lnBlToTr w="12700" cmpd="sng">
+                      <a:noFill/>
+                      <a:prstDash val="solid"/>
+                    </a:lnBlToTr>
+                  </a:tcPr>
+                </a:tc>
+                <a:extLst>
+                  <a:ext uri="{0D108BD9-81ED-4DB2-BD59-A6C34878D82A}">
+                    <a16:rowId xmlns:a16="http://schemas.microsoft.com/office/drawing/2014/main" val="172147600"/>
+                  </a:ext>
+                </a:extLst>
+              </a:tr>
+              <a:tr h="298955">
+                <a:tc>
+                  <a:txBody>
+                    <a:bodyPr/>
+                    <a:lstStyle/>
+                    <a:p>
+                      <a:pPr algn="ctr" fontAlgn="ctr"/>
+                      <a:r>
+                        <a:rPr lang="en-US" altLang="ko-KR" sz="1100" b="1" i="0" u="none" strike="noStrike">
+                          <a:solidFill>
+                            <a:srgbClr val="3F3F3F"/>
+                          </a:solidFill>
+                          <a:effectLst/>
+                          <a:latin typeface="+mn-ea"/>
+                          <a:ea typeface="+mn-ea"/>
+                        </a:rPr>
+                        <a:t>6</a:t>
+                      </a:r>
+                    </a:p>
+                  </a:txBody>
+                  <a:tcPr marL="9525" marR="9525" marT="9525" marB="0" anchor="ctr">
+                    <a:lnL>
+                      <a:noFill/>
+                    </a:lnL>
+                    <a:lnR>
+                      <a:noFill/>
+                    </a:lnR>
+                    <a:lnT w="6350" cap="flat" cmpd="sng" algn="ctr">
+                      <a:solidFill>
+                        <a:schemeClr val="bg1">
+                          <a:lumMod val="85000"/>
+                        </a:schemeClr>
+                      </a:solidFill>
+                      <a:prstDash val="solid"/>
+                      <a:round/>
+                      <a:headEnd type="none" w="med" len="med"/>
+                      <a:tailEnd type="none" w="med" len="med"/>
+                    </a:lnT>
+                    <a:lnB w="6350" cap="flat" cmpd="sng" algn="ctr">
+                      <a:solidFill>
+                        <a:schemeClr val="bg1">
+                          <a:lumMod val="85000"/>
+                        </a:schemeClr>
+                      </a:solidFill>
+                      <a:prstDash val="solid"/>
+                      <a:round/>
+                      <a:headEnd type="none" w="med" len="med"/>
+                      <a:tailEnd type="none" w="med" len="med"/>
+                    </a:lnB>
+                    <a:lnTlToBr w="12700" cmpd="sng">
+                      <a:noFill/>
+                      <a:prstDash val="solid"/>
+                    </a:lnTlToBr>
+                    <a:lnBlToTr w="12700" cmpd="sng">
+                      <a:noFill/>
+                      <a:prstDash val="solid"/>
+                    </a:lnBlToTr>
+                  </a:tcPr>
+                </a:tc>
+                <a:tc>
+                  <a:txBody>
+                    <a:bodyPr/>
+                    <a:lstStyle/>
+                    <a:p>
+                      <a:pPr algn="ctr" fontAlgn="ctr"/>
+                      <a:endParaRPr lang="en-US" sz="1100" b="1" i="0" u="none" strike="noStrike">
+                        <a:solidFill>
+                          <a:srgbClr val="3F3F3F"/>
+                        </a:solidFill>
+                        <a:effectLst/>
+                        <a:latin typeface="+mn-ea"/>
+                        <a:ea typeface="+mn-ea"/>
+                      </a:endParaRPr>
+                    </a:p>
+                  </a:txBody>
+                  <a:tcPr marL="9525" marR="9525" marT="9525" marB="0" anchor="ctr">
+                    <a:lnL>
+                      <a:noFill/>
+                    </a:lnL>
+                    <a:lnR>
+                      <a:noFill/>
+                    </a:lnR>
+                    <a:lnT w="6350" cap="flat" cmpd="sng" algn="ctr">
+                      <a:solidFill>
+                        <a:schemeClr val="bg1">
+                          <a:lumMod val="85000"/>
+                        </a:schemeClr>
+                      </a:solidFill>
+                      <a:prstDash val="solid"/>
+                      <a:round/>
+                      <a:headEnd type="none" w="med" len="med"/>
+                      <a:tailEnd type="none" w="med" len="med"/>
+                    </a:lnT>
+                    <a:lnB w="6350" cap="flat" cmpd="sng" algn="ctr">
+                      <a:solidFill>
+                        <a:schemeClr val="bg1">
+                          <a:lumMod val="85000"/>
+                        </a:schemeClr>
+                      </a:solidFill>
+                      <a:prstDash val="solid"/>
+                      <a:round/>
+                      <a:headEnd type="none" w="med" len="med"/>
+                      <a:tailEnd type="none" w="med" len="med"/>
+                    </a:lnB>
+                    <a:lnTlToBr w="12700" cmpd="sng">
+                      <a:noFill/>
+                      <a:prstDash val="solid"/>
+                    </a:lnTlToBr>
+                    <a:lnBlToTr w="12700" cmpd="sng">
+                      <a:noFill/>
+                      <a:prstDash val="solid"/>
+                    </a:lnBlToTr>
+                  </a:tcPr>
+                </a:tc>
+                <a:tc>
+                  <a:txBody>
+                    <a:bodyPr/>
+                    <a:lstStyle/>
+                    <a:p>
+                      <a:pPr algn="l" fontAlgn="ctr"/>
+                      <a:endParaRPr lang="en-US" sz="1100" b="1" i="0" u="none" strike="noStrike">
+                        <a:solidFill>
+                          <a:srgbClr val="3F3F3F"/>
+                        </a:solidFill>
+                        <a:effectLst/>
+                        <a:latin typeface="+mn-ea"/>
+                        <a:ea typeface="+mn-ea"/>
+                      </a:endParaRPr>
+                    </a:p>
+                  </a:txBody>
+                  <a:tcPr marL="9525" marR="9525" marT="9525" marB="0" anchor="ctr">
+                    <a:lnL>
+                      <a:noFill/>
+                    </a:lnL>
+                    <a:lnR>
+                      <a:noFill/>
+                    </a:lnR>
+                    <a:lnT w="6350" cap="flat" cmpd="sng" algn="ctr">
+                      <a:solidFill>
+                        <a:schemeClr val="bg1">
+                          <a:lumMod val="85000"/>
+                        </a:schemeClr>
+                      </a:solidFill>
+                      <a:prstDash val="solid"/>
+                      <a:round/>
+                      <a:headEnd type="none" w="med" len="med"/>
+                      <a:tailEnd type="none" w="med" len="med"/>
+                    </a:lnT>
+                    <a:lnB w="6350" cap="flat" cmpd="sng" algn="ctr">
+                      <a:solidFill>
+                        <a:schemeClr val="bg1">
+                          <a:lumMod val="85000"/>
+                        </a:schemeClr>
+                      </a:solidFill>
+                      <a:prstDash val="solid"/>
+                      <a:round/>
+                      <a:headEnd type="none" w="med" len="med"/>
+                      <a:tailEnd type="none" w="med" len="med"/>
+                    </a:lnB>
+                    <a:lnTlToBr w="12700" cmpd="sng">
+                      <a:noFill/>
+                      <a:prstDash val="solid"/>
+                    </a:lnTlToBr>
+                    <a:lnBlToTr w="12700" cmpd="sng">
+                      <a:noFill/>
+                      <a:prstDash val="solid"/>
+                    </a:lnBlToTr>
+                  </a:tcPr>
+                </a:tc>
+                <a:extLst>
+                  <a:ext uri="{0D108BD9-81ED-4DB2-BD59-A6C34878D82A}">
+                    <a16:rowId xmlns:a16="http://schemas.microsoft.com/office/drawing/2014/main" val="1873070128"/>
+                  </a:ext>
+                </a:extLst>
+              </a:tr>
+            </a:tbl>
+          </a:graphicData>
+        </a:graphic>
+      </p:graphicFrame>
     </p:spTree>
     <p:extLst>
       <p:ext uri="{BB962C8B-B14F-4D97-AF65-F5344CB8AC3E}">

--- a/doc/04.화면설계/Pony_화면설계서.pptx
+++ b/doc/04.화면설계/Pony_화면설계서.pptx
@@ -1501,7 +1501,7 @@
           <a:p>
             <a:fld id="{D7CC76B6-B111-4A69-854B-FCF81214D556}" type="datetimeFigureOut">
               <a:rPr lang="ko-KR" altLang="en-US" smtClean="0"/>
-              <a:t>2019-09-11</a:t>
+              <a:t>2019-09-16</a:t>
             </a:fld>
             <a:endParaRPr lang="ko-KR" altLang="en-US"/>
           </a:p>
@@ -3943,10 +3943,10 @@
       </p:graphicFrame>
       <p:graphicFrame>
         <p:nvGraphicFramePr>
-          <p:cNvPr id="22" name="표 21">
+          <p:cNvPr id="19" name="표 18">
             <a:extLst>
               <a:ext uri="{FF2B5EF4-FFF2-40B4-BE49-F238E27FC236}">
-                <a16:creationId xmlns:a16="http://schemas.microsoft.com/office/drawing/2014/main" id="{0E7CB902-AD90-413F-9A5F-1153286F1D5E}"/>
+                <a16:creationId xmlns:a16="http://schemas.microsoft.com/office/drawing/2014/main" id="{1688CBCB-B4A7-4F49-80A8-F0DC1C9F9656}"/>
               </a:ext>
             </a:extLst>
           </p:cNvPr>
@@ -3956,14 +3956,14 @@
           <p:nvPr>
             <p:extLst>
               <p:ext uri="{D42A27DB-BD31-4B8C-83A1-F6EECF244321}">
-                <p14:modId xmlns:p14="http://schemas.microsoft.com/office/powerpoint/2010/main" val="2914535930"/>
+                <p14:modId xmlns:p14="http://schemas.microsoft.com/office/powerpoint/2010/main" val="1732062752"/>
               </p:ext>
             </p:extLst>
           </p:nvPr>
         </p:nvGraphicFramePr>
         <p:xfrm>
-          <a:off x="2679222" y="1572198"/>
-          <a:ext cx="1676401" cy="971571"/>
+          <a:off x="762000" y="1676400"/>
+          <a:ext cx="1676401" cy="867369"/>
         </p:xfrm>
         <a:graphic>
           <a:graphicData uri="http://schemas.openxmlformats.org/drawingml/2006/table">
@@ -3987,168 +3987,7 @@
                   </a:extLst>
                 </a:gridCol>
               </a:tblGrid>
-              <a:tr h="256602">
-                <a:tc>
-                  <a:txBody>
-                    <a:bodyPr/>
-                    <a:lstStyle/>
-                    <a:p>
-                      <a:pPr algn="ctr" latinLnBrk="1"/>
-                      <a:r>
-                        <a:rPr lang="ko-KR" altLang="en-US" sz="900" b="1">
-                          <a:ln>
-                            <a:solidFill>
-                              <a:schemeClr val="accent1">
-                                <a:alpha val="0"/>
-                              </a:schemeClr>
-                            </a:solidFill>
-                          </a:ln>
-                          <a:solidFill>
-                            <a:schemeClr val="bg1"/>
-                          </a:solidFill>
-                          <a:latin typeface="+mn-ea"/>
-                          <a:ea typeface="+mn-ea"/>
-                        </a:rPr>
-                        <a:t>테이블명</a:t>
-                      </a:r>
-                      <a:endParaRPr lang="ko-KR" altLang="en-US" sz="900" b="1" dirty="0">
-                        <a:ln>
-                          <a:solidFill>
-                            <a:schemeClr val="accent1">
-                              <a:alpha val="0"/>
-                            </a:schemeClr>
-                          </a:solidFill>
-                        </a:ln>
-                        <a:solidFill>
-                          <a:schemeClr val="bg1"/>
-                        </a:solidFill>
-                        <a:latin typeface="+mn-ea"/>
-                        <a:ea typeface="+mn-ea"/>
-                      </a:endParaRPr>
-                    </a:p>
-                  </a:txBody>
-                  <a:tcPr anchor="ctr">
-                    <a:lnL w="19050" cap="flat" cmpd="sng" algn="ctr">
-                      <a:solidFill>
-                        <a:schemeClr val="bg1"/>
-                      </a:solidFill>
-                      <a:prstDash val="solid"/>
-                      <a:round/>
-                      <a:headEnd type="none" w="med" len="med"/>
-                      <a:tailEnd type="none" w="med" len="med"/>
-                    </a:lnL>
-                    <a:lnR w="19050" cap="flat" cmpd="sng" algn="ctr">
-                      <a:solidFill>
-                        <a:schemeClr val="bg1"/>
-                      </a:solidFill>
-                      <a:prstDash val="solid"/>
-                      <a:round/>
-                      <a:headEnd type="none" w="med" len="med"/>
-                      <a:tailEnd type="none" w="med" len="med"/>
-                    </a:lnR>
-                    <a:lnB w="6350" cap="flat" cmpd="sng" algn="ctr">
-                      <a:solidFill>
-                        <a:schemeClr val="bg1">
-                          <a:lumMod val="75000"/>
-                        </a:schemeClr>
-                      </a:solidFill>
-                      <a:prstDash val="solid"/>
-                      <a:round/>
-                      <a:headEnd type="none" w="med" len="med"/>
-                      <a:tailEnd type="none" w="med" len="med"/>
-                    </a:lnB>
-                    <a:solidFill>
-                      <a:schemeClr val="tx2">
-                        <a:lumMod val="60000"/>
-                        <a:lumOff val="40000"/>
-                      </a:schemeClr>
-                    </a:solidFill>
-                  </a:tcPr>
-                </a:tc>
-                <a:tc>
-                  <a:txBody>
-                    <a:bodyPr/>
-                    <a:lstStyle/>
-                    <a:p>
-                      <a:pPr algn="ctr" latinLnBrk="1"/>
-                      <a:r>
-                        <a:rPr lang="ko-KR" altLang="en-US" sz="900" b="1">
-                          <a:ln>
-                            <a:solidFill>
-                              <a:schemeClr val="accent1">
-                                <a:alpha val="0"/>
-                              </a:schemeClr>
-                            </a:solidFill>
-                          </a:ln>
-                          <a:solidFill>
-                            <a:schemeClr val="bg1"/>
-                          </a:solidFill>
-                          <a:latin typeface="+mn-ea"/>
-                          <a:ea typeface="+mn-ea"/>
-                        </a:rPr>
-                        <a:t>테이블설명</a:t>
-                      </a:r>
-                      <a:endParaRPr lang="ko-KR" altLang="en-US" sz="900" b="1" dirty="0">
-                        <a:ln>
-                          <a:solidFill>
-                            <a:schemeClr val="accent1">
-                              <a:alpha val="0"/>
-                            </a:schemeClr>
-                          </a:solidFill>
-                        </a:ln>
-                        <a:solidFill>
-                          <a:schemeClr val="bg1"/>
-                        </a:solidFill>
-                        <a:latin typeface="+mn-ea"/>
-                        <a:ea typeface="+mn-ea"/>
-                      </a:endParaRPr>
-                    </a:p>
-                  </a:txBody>
-                  <a:tcPr anchor="ctr">
-                    <a:lnL w="19050" cap="flat" cmpd="sng" algn="ctr">
-                      <a:solidFill>
-                        <a:schemeClr val="bg1"/>
-                      </a:solidFill>
-                      <a:prstDash val="solid"/>
-                      <a:round/>
-                      <a:headEnd type="none" w="med" len="med"/>
-                      <a:tailEnd type="none" w="med" len="med"/>
-                    </a:lnL>
-                    <a:lnR w="19050" cap="flat" cmpd="sng" algn="ctr">
-                      <a:solidFill>
-                        <a:schemeClr val="bg1"/>
-                      </a:solidFill>
-                      <a:prstDash val="solid"/>
-                      <a:round/>
-                      <a:headEnd type="none" w="med" len="med"/>
-                      <a:tailEnd type="none" w="med" len="med"/>
-                    </a:lnR>
-                    <a:lnB w="6350" cap="flat" cmpd="sng" algn="ctr">
-                      <a:solidFill>
-                        <a:schemeClr val="bg1">
-                          <a:lumMod val="75000"/>
-                        </a:schemeClr>
-                      </a:solidFill>
-                      <a:prstDash val="solid"/>
-                      <a:round/>
-                      <a:headEnd type="none" w="med" len="med"/>
-                      <a:tailEnd type="none" w="med" len="med"/>
-                    </a:lnB>
-                    <a:solidFill>
-                      <a:schemeClr val="tx2">
-                        <a:lumMod val="60000"/>
-                        <a:lumOff val="40000"/>
-                      </a:schemeClr>
-                    </a:solidFill>
-                  </a:tcPr>
-                </a:tc>
-                <a:extLst>
-                  <a:ext uri="{0D108BD9-81ED-4DB2-BD59-A6C34878D82A}">
-                    <a16:rowId xmlns:a16="http://schemas.microsoft.com/office/drawing/2014/main" val="3284227695"/>
-                  </a:ext>
-                </a:extLst>
-              </a:tr>
-              <a:tr h="238323">
+              <a:tr h="289123">
                 <a:tc>
                   <a:txBody>
                     <a:bodyPr/>
@@ -4165,7 +4004,7 @@
                             </a:solidFill>
                           </a:ln>
                           <a:solidFill>
-                            <a:srgbClr val="3F3F3F"/>
+                            <a:schemeClr val="bg1"/>
                           </a:solidFill>
                           <a:effectLst/>
                           <a:latin typeface="+mn-ea"/>
@@ -4228,6 +4067,9 @@
                       <a:noFill/>
                       <a:prstDash val="solid"/>
                     </a:lnBlToTr>
+                    <a:solidFill>
+                      <a:srgbClr val="00B050"/>
+                    </a:solidFill>
                   </a:tcPr>
                 </a:tc>
                 <a:tc>
@@ -4246,7 +4088,7 @@
                             </a:solidFill>
                           </a:ln>
                           <a:solidFill>
-                            <a:srgbClr val="3F3F3F"/>
+                            <a:schemeClr val="bg1"/>
                           </a:solidFill>
                           <a:effectLst/>
                           <a:latin typeface="+mn-ea"/>
@@ -4264,7 +4106,7 @@
                             </a:solidFill>
                           </a:ln>
                           <a:solidFill>
-                            <a:srgbClr val="3F3F3F"/>
+                            <a:schemeClr val="bg1"/>
                           </a:solidFill>
                           <a:effectLst/>
                           <a:latin typeface="+mn-ea"/>
@@ -4281,7 +4123,7 @@
                           </a:solidFill>
                         </a:ln>
                         <a:solidFill>
-                          <a:srgbClr val="3F3F3F"/>
+                          <a:schemeClr val="bg1"/>
                         </a:solidFill>
                         <a:effectLst/>
                         <a:latin typeface="+mn-ea"/>
@@ -4342,6 +4184,9 @@
                       <a:noFill/>
                       <a:prstDash val="solid"/>
                     </a:lnBlToTr>
+                    <a:solidFill>
+                      <a:srgbClr val="00B050"/>
+                    </a:solidFill>
                   </a:tcPr>
                 </a:tc>
                 <a:extLst>
@@ -4350,7 +4195,7 @@
                   </a:ext>
                 </a:extLst>
               </a:tr>
-              <a:tr h="238323">
+              <a:tr h="289123">
                 <a:tc>
                   <a:txBody>
                     <a:bodyPr/>
@@ -4552,7 +4397,7 @@
                   </a:ext>
                 </a:extLst>
               </a:tr>
-              <a:tr h="238323">
+              <a:tr h="289123">
                 <a:tc>
                   <a:txBody>
                     <a:bodyPr/>
